--- a/Predection CTRL.pptx
+++ b/Predection CTRL.pptx
@@ -1,6 +1,6 @@
 
 <file path=ppt/presentation.xml><?xml version="1.0" encoding="utf-8"?>
-<p:presentation xmlns:a="http://schemas.openxmlformats.org/drawingml/2006/main" xmlns:r="http://schemas.openxmlformats.org/officeDocument/2006/relationships" xmlns:mc="http://schemas.openxmlformats.org/markup-compatibility/2006" xmlns:mv="urn:schemas-microsoft-com:mac:vml" xmlns:p="http://schemas.openxmlformats.org/presentationml/2006/main" xmlns:c="http://schemas.openxmlformats.org/drawingml/2006/chart" xmlns:dgm="http://schemas.openxmlformats.org/drawingml/2006/diagram" xmlns:o="urn:schemas-microsoft-com:office:office" xmlns:v="urn:schemas-microsoft-com:vml" xmlns:pvml="urn:schemas-microsoft-com:office:powerpoint" xmlns:com="http://schemas.openxmlformats.org/drawingml/2006/compatibility" xmlns:p14="http://schemas.microsoft.com/office/powerpoint/2010/main" xmlns:p15="http://schemas.microsoft.com/office/powerpoint/2012/main" autoCompressPictures="0" embedTrueTypeFonts="1" strictFirstAndLastChars="0" saveSubsetFonts="1">
+<p:presentation xmlns:a="http://schemas.openxmlformats.org/drawingml/2006/main" xmlns:r="http://schemas.openxmlformats.org/officeDocument/2006/relationships" xmlns:mc="http://schemas.openxmlformats.org/markup-compatibility/2006" xmlns:mv="urn:schemas-microsoft-com:mac:vml" xmlns:p="http://schemas.openxmlformats.org/presentationml/2006/main" xmlns:c="http://schemas.openxmlformats.org/drawingml/2006/chart" xmlns:dgm="http://schemas.openxmlformats.org/drawingml/2006/diagram" xmlns:o="urn:schemas-microsoft-com:office:office" xmlns:v="urn:schemas-microsoft-com:vml" xmlns:pvml="urn:schemas-microsoft-com:office:powerpoint" xmlns:com="http://schemas.openxmlformats.org/drawingml/2006/compatibility" xmlns:p14="http://schemas.microsoft.com/office/powerpoint/2010/main" xmlns:p15="http://schemas.microsoft.com/office/powerpoint/2012/main" xmlns:ahyp="http://schemas.microsoft.com/office/drawing/2018/hyperlinkcolor" autoCompressPictures="0" embedTrueTypeFonts="1" strictFirstAndLastChars="0" saveSubsetFonts="1">
   <p:sldMasterIdLst>
     <p:sldMasterId id="2147483659" r:id="rId4"/>
   </p:sldMasterIdLst>
@@ -312,7 +312,7 @@
 </file>
 
 <file path=ppt/notesMasters/notesMaster1.xml><?xml version="1.0" encoding="utf-8"?>
-<p:notesMaster xmlns:a="http://schemas.openxmlformats.org/drawingml/2006/main" xmlns:r="http://schemas.openxmlformats.org/officeDocument/2006/relationships" xmlns:mc="http://schemas.openxmlformats.org/markup-compatibility/2006" xmlns:mv="urn:schemas-microsoft-com:mac:vml" xmlns:p="http://schemas.openxmlformats.org/presentationml/2006/main" xmlns:c="http://schemas.openxmlformats.org/drawingml/2006/chart" xmlns:dgm="http://schemas.openxmlformats.org/drawingml/2006/diagram" xmlns:o="urn:schemas-microsoft-com:office:office" xmlns:v="urn:schemas-microsoft-com:vml" xmlns:pvml="urn:schemas-microsoft-com:office:powerpoint" xmlns:com="http://schemas.openxmlformats.org/drawingml/2006/compatibility" xmlns:p14="http://schemas.microsoft.com/office/powerpoint/2010/main" xmlns:p15="http://schemas.microsoft.com/office/powerpoint/2012/main">
+<p:notesMaster xmlns:a="http://schemas.openxmlformats.org/drawingml/2006/main" xmlns:r="http://schemas.openxmlformats.org/officeDocument/2006/relationships" xmlns:mc="http://schemas.openxmlformats.org/markup-compatibility/2006" xmlns:mv="urn:schemas-microsoft-com:mac:vml" xmlns:p="http://schemas.openxmlformats.org/presentationml/2006/main" xmlns:c="http://schemas.openxmlformats.org/drawingml/2006/chart" xmlns:dgm="http://schemas.openxmlformats.org/drawingml/2006/diagram" xmlns:o="urn:schemas-microsoft-com:office:office" xmlns:v="urn:schemas-microsoft-com:vml" xmlns:pvml="urn:schemas-microsoft-com:office:powerpoint" xmlns:com="http://schemas.openxmlformats.org/drawingml/2006/compatibility" xmlns:p14="http://schemas.microsoft.com/office/powerpoint/2010/main" xmlns:p15="http://schemas.microsoft.com/office/powerpoint/2012/main" xmlns:ahyp="http://schemas.microsoft.com/office/drawing/2018/hyperlinkcolor">
   <p:cSld>
     <p:spTree>
       <p:nvGrpSpPr>
@@ -738,7 +738,7 @@
 </file>
 
 <file path=ppt/notesSlides/notesSlide1.xml><?xml version="1.0" encoding="utf-8"?>
-<p:notes xmlns:a="http://schemas.openxmlformats.org/drawingml/2006/main" xmlns:r="http://schemas.openxmlformats.org/officeDocument/2006/relationships" xmlns:mc="http://schemas.openxmlformats.org/markup-compatibility/2006" xmlns:mv="urn:schemas-microsoft-com:mac:vml" xmlns:p="http://schemas.openxmlformats.org/presentationml/2006/main" xmlns:c="http://schemas.openxmlformats.org/drawingml/2006/chart" xmlns:dgm="http://schemas.openxmlformats.org/drawingml/2006/diagram" xmlns:o="urn:schemas-microsoft-com:office:office" xmlns:v="urn:schemas-microsoft-com:vml" xmlns:pvml="urn:schemas-microsoft-com:office:powerpoint" xmlns:com="http://schemas.openxmlformats.org/drawingml/2006/compatibility" xmlns:p14="http://schemas.microsoft.com/office/powerpoint/2010/main" xmlns:p15="http://schemas.microsoft.com/office/powerpoint/2012/main" showMasterPhAnim="0" showMasterSp="0">
+<p:notes xmlns:a="http://schemas.openxmlformats.org/drawingml/2006/main" xmlns:r="http://schemas.openxmlformats.org/officeDocument/2006/relationships" xmlns:mc="http://schemas.openxmlformats.org/markup-compatibility/2006" xmlns:mv="urn:schemas-microsoft-com:mac:vml" xmlns:p="http://schemas.openxmlformats.org/presentationml/2006/main" xmlns:c="http://schemas.openxmlformats.org/drawingml/2006/chart" xmlns:dgm="http://schemas.openxmlformats.org/drawingml/2006/diagram" xmlns:o="urn:schemas-microsoft-com:office:office" xmlns:v="urn:schemas-microsoft-com:vml" xmlns:pvml="urn:schemas-microsoft-com:office:powerpoint" xmlns:com="http://schemas.openxmlformats.org/drawingml/2006/compatibility" xmlns:p14="http://schemas.microsoft.com/office/powerpoint/2010/main" xmlns:p15="http://schemas.microsoft.com/office/powerpoint/2012/main" xmlns:ahyp="http://schemas.microsoft.com/office/drawing/2018/hyperlinkcolor" showMasterPhAnim="0" showMasterSp="0">
   <p:cSld>
     <p:spTree>
       <p:nvGrpSpPr>
@@ -837,7 +837,7 @@
 </file>
 
 <file path=ppt/notesSlides/notesSlide10.xml><?xml version="1.0" encoding="utf-8"?>
-<p:notes xmlns:a="http://schemas.openxmlformats.org/drawingml/2006/main" xmlns:r="http://schemas.openxmlformats.org/officeDocument/2006/relationships" xmlns:mc="http://schemas.openxmlformats.org/markup-compatibility/2006" xmlns:mv="urn:schemas-microsoft-com:mac:vml" xmlns:p="http://schemas.openxmlformats.org/presentationml/2006/main" xmlns:c="http://schemas.openxmlformats.org/drawingml/2006/chart" xmlns:dgm="http://schemas.openxmlformats.org/drawingml/2006/diagram" xmlns:o="urn:schemas-microsoft-com:office:office" xmlns:v="urn:schemas-microsoft-com:vml" xmlns:pvml="urn:schemas-microsoft-com:office:powerpoint" xmlns:com="http://schemas.openxmlformats.org/drawingml/2006/compatibility" xmlns:p14="http://schemas.microsoft.com/office/powerpoint/2010/main" xmlns:p15="http://schemas.microsoft.com/office/powerpoint/2012/main" showMasterPhAnim="0" showMasterSp="0">
+<p:notes xmlns:a="http://schemas.openxmlformats.org/drawingml/2006/main" xmlns:r="http://schemas.openxmlformats.org/officeDocument/2006/relationships" xmlns:mc="http://schemas.openxmlformats.org/markup-compatibility/2006" xmlns:mv="urn:schemas-microsoft-com:mac:vml" xmlns:p="http://schemas.openxmlformats.org/presentationml/2006/main" xmlns:c="http://schemas.openxmlformats.org/drawingml/2006/chart" xmlns:dgm="http://schemas.openxmlformats.org/drawingml/2006/diagram" xmlns:o="urn:schemas-microsoft-com:office:office" xmlns:v="urn:schemas-microsoft-com:vml" xmlns:pvml="urn:schemas-microsoft-com:office:powerpoint" xmlns:com="http://schemas.openxmlformats.org/drawingml/2006/compatibility" xmlns:p14="http://schemas.microsoft.com/office/powerpoint/2010/main" xmlns:p15="http://schemas.microsoft.com/office/powerpoint/2012/main" xmlns:ahyp="http://schemas.microsoft.com/office/drawing/2018/hyperlinkcolor" showMasterPhAnim="0" showMasterSp="0">
   <p:cSld>
     <p:spTree>
       <p:nvGrpSpPr>
@@ -936,7 +936,7 @@
 </file>
 
 <file path=ppt/notesSlides/notesSlide11.xml><?xml version="1.0" encoding="utf-8"?>
-<p:notes xmlns:a="http://schemas.openxmlformats.org/drawingml/2006/main" xmlns:r="http://schemas.openxmlformats.org/officeDocument/2006/relationships" xmlns:mc="http://schemas.openxmlformats.org/markup-compatibility/2006" xmlns:mv="urn:schemas-microsoft-com:mac:vml" xmlns:p="http://schemas.openxmlformats.org/presentationml/2006/main" xmlns:c="http://schemas.openxmlformats.org/drawingml/2006/chart" xmlns:dgm="http://schemas.openxmlformats.org/drawingml/2006/diagram" xmlns:o="urn:schemas-microsoft-com:office:office" xmlns:v="urn:schemas-microsoft-com:vml" xmlns:pvml="urn:schemas-microsoft-com:office:powerpoint" xmlns:com="http://schemas.openxmlformats.org/drawingml/2006/compatibility" xmlns:p14="http://schemas.microsoft.com/office/powerpoint/2010/main" xmlns:p15="http://schemas.microsoft.com/office/powerpoint/2012/main" showMasterPhAnim="0" showMasterSp="0">
+<p:notes xmlns:a="http://schemas.openxmlformats.org/drawingml/2006/main" xmlns:r="http://schemas.openxmlformats.org/officeDocument/2006/relationships" xmlns:mc="http://schemas.openxmlformats.org/markup-compatibility/2006" xmlns:mv="urn:schemas-microsoft-com:mac:vml" xmlns:p="http://schemas.openxmlformats.org/presentationml/2006/main" xmlns:c="http://schemas.openxmlformats.org/drawingml/2006/chart" xmlns:dgm="http://schemas.openxmlformats.org/drawingml/2006/diagram" xmlns:o="urn:schemas-microsoft-com:office:office" xmlns:v="urn:schemas-microsoft-com:vml" xmlns:pvml="urn:schemas-microsoft-com:office:powerpoint" xmlns:com="http://schemas.openxmlformats.org/drawingml/2006/compatibility" xmlns:p14="http://schemas.microsoft.com/office/powerpoint/2010/main" xmlns:p15="http://schemas.microsoft.com/office/powerpoint/2012/main" xmlns:ahyp="http://schemas.microsoft.com/office/drawing/2018/hyperlinkcolor" showMasterPhAnim="0" showMasterSp="0">
   <p:cSld>
     <p:spTree>
       <p:nvGrpSpPr>
@@ -1035,7 +1035,7 @@
 </file>
 
 <file path=ppt/notesSlides/notesSlide12.xml><?xml version="1.0" encoding="utf-8"?>
-<p:notes xmlns:a="http://schemas.openxmlformats.org/drawingml/2006/main" xmlns:r="http://schemas.openxmlformats.org/officeDocument/2006/relationships" xmlns:mc="http://schemas.openxmlformats.org/markup-compatibility/2006" xmlns:mv="urn:schemas-microsoft-com:mac:vml" xmlns:p="http://schemas.openxmlformats.org/presentationml/2006/main" xmlns:c="http://schemas.openxmlformats.org/drawingml/2006/chart" xmlns:dgm="http://schemas.openxmlformats.org/drawingml/2006/diagram" xmlns:o="urn:schemas-microsoft-com:office:office" xmlns:v="urn:schemas-microsoft-com:vml" xmlns:pvml="urn:schemas-microsoft-com:office:powerpoint" xmlns:com="http://schemas.openxmlformats.org/drawingml/2006/compatibility" xmlns:p14="http://schemas.microsoft.com/office/powerpoint/2010/main" xmlns:p15="http://schemas.microsoft.com/office/powerpoint/2012/main" showMasterPhAnim="0" showMasterSp="0">
+<p:notes xmlns:a="http://schemas.openxmlformats.org/drawingml/2006/main" xmlns:r="http://schemas.openxmlformats.org/officeDocument/2006/relationships" xmlns:mc="http://schemas.openxmlformats.org/markup-compatibility/2006" xmlns:mv="urn:schemas-microsoft-com:mac:vml" xmlns:p="http://schemas.openxmlformats.org/presentationml/2006/main" xmlns:c="http://schemas.openxmlformats.org/drawingml/2006/chart" xmlns:dgm="http://schemas.openxmlformats.org/drawingml/2006/diagram" xmlns:o="urn:schemas-microsoft-com:office:office" xmlns:v="urn:schemas-microsoft-com:vml" xmlns:pvml="urn:schemas-microsoft-com:office:powerpoint" xmlns:com="http://schemas.openxmlformats.org/drawingml/2006/compatibility" xmlns:p14="http://schemas.microsoft.com/office/powerpoint/2010/main" xmlns:p15="http://schemas.microsoft.com/office/powerpoint/2012/main" xmlns:ahyp="http://schemas.microsoft.com/office/drawing/2018/hyperlinkcolor" showMasterPhAnim="0" showMasterSp="0">
   <p:cSld>
     <p:spTree>
       <p:nvGrpSpPr>
@@ -1134,7 +1134,7 @@
 </file>
 
 <file path=ppt/notesSlides/notesSlide13.xml><?xml version="1.0" encoding="utf-8"?>
-<p:notes xmlns:a="http://schemas.openxmlformats.org/drawingml/2006/main" xmlns:r="http://schemas.openxmlformats.org/officeDocument/2006/relationships" xmlns:mc="http://schemas.openxmlformats.org/markup-compatibility/2006" xmlns:mv="urn:schemas-microsoft-com:mac:vml" xmlns:p="http://schemas.openxmlformats.org/presentationml/2006/main" xmlns:c="http://schemas.openxmlformats.org/drawingml/2006/chart" xmlns:dgm="http://schemas.openxmlformats.org/drawingml/2006/diagram" xmlns:o="urn:schemas-microsoft-com:office:office" xmlns:v="urn:schemas-microsoft-com:vml" xmlns:pvml="urn:schemas-microsoft-com:office:powerpoint" xmlns:com="http://schemas.openxmlformats.org/drawingml/2006/compatibility" xmlns:p14="http://schemas.microsoft.com/office/powerpoint/2010/main" xmlns:p15="http://schemas.microsoft.com/office/powerpoint/2012/main" showMasterPhAnim="0" showMasterSp="0">
+<p:notes xmlns:a="http://schemas.openxmlformats.org/drawingml/2006/main" xmlns:r="http://schemas.openxmlformats.org/officeDocument/2006/relationships" xmlns:mc="http://schemas.openxmlformats.org/markup-compatibility/2006" xmlns:mv="urn:schemas-microsoft-com:mac:vml" xmlns:p="http://schemas.openxmlformats.org/presentationml/2006/main" xmlns:c="http://schemas.openxmlformats.org/drawingml/2006/chart" xmlns:dgm="http://schemas.openxmlformats.org/drawingml/2006/diagram" xmlns:o="urn:schemas-microsoft-com:office:office" xmlns:v="urn:schemas-microsoft-com:vml" xmlns:pvml="urn:schemas-microsoft-com:office:powerpoint" xmlns:com="http://schemas.openxmlformats.org/drawingml/2006/compatibility" xmlns:p14="http://schemas.microsoft.com/office/powerpoint/2010/main" xmlns:p15="http://schemas.microsoft.com/office/powerpoint/2012/main" xmlns:ahyp="http://schemas.microsoft.com/office/drawing/2018/hyperlinkcolor" showMasterPhAnim="0" showMasterSp="0">
   <p:cSld>
     <p:spTree>
       <p:nvGrpSpPr>
@@ -1233,7 +1233,7 @@
 </file>
 
 <file path=ppt/notesSlides/notesSlide14.xml><?xml version="1.0" encoding="utf-8"?>
-<p:notes xmlns:a="http://schemas.openxmlformats.org/drawingml/2006/main" xmlns:r="http://schemas.openxmlformats.org/officeDocument/2006/relationships" xmlns:mc="http://schemas.openxmlformats.org/markup-compatibility/2006" xmlns:mv="urn:schemas-microsoft-com:mac:vml" xmlns:p="http://schemas.openxmlformats.org/presentationml/2006/main" xmlns:c="http://schemas.openxmlformats.org/drawingml/2006/chart" xmlns:dgm="http://schemas.openxmlformats.org/drawingml/2006/diagram" xmlns:o="urn:schemas-microsoft-com:office:office" xmlns:v="urn:schemas-microsoft-com:vml" xmlns:pvml="urn:schemas-microsoft-com:office:powerpoint" xmlns:com="http://schemas.openxmlformats.org/drawingml/2006/compatibility" xmlns:p14="http://schemas.microsoft.com/office/powerpoint/2010/main" xmlns:p15="http://schemas.microsoft.com/office/powerpoint/2012/main" showMasterPhAnim="0" showMasterSp="0">
+<p:notes xmlns:a="http://schemas.openxmlformats.org/drawingml/2006/main" xmlns:r="http://schemas.openxmlformats.org/officeDocument/2006/relationships" xmlns:mc="http://schemas.openxmlformats.org/markup-compatibility/2006" xmlns:mv="urn:schemas-microsoft-com:mac:vml" xmlns:p="http://schemas.openxmlformats.org/presentationml/2006/main" xmlns:c="http://schemas.openxmlformats.org/drawingml/2006/chart" xmlns:dgm="http://schemas.openxmlformats.org/drawingml/2006/diagram" xmlns:o="urn:schemas-microsoft-com:office:office" xmlns:v="urn:schemas-microsoft-com:vml" xmlns:pvml="urn:schemas-microsoft-com:office:powerpoint" xmlns:com="http://schemas.openxmlformats.org/drawingml/2006/compatibility" xmlns:p14="http://schemas.microsoft.com/office/powerpoint/2010/main" xmlns:p15="http://schemas.microsoft.com/office/powerpoint/2012/main" xmlns:ahyp="http://schemas.microsoft.com/office/drawing/2018/hyperlinkcolor" showMasterPhAnim="0" showMasterSp="0">
   <p:cSld>
     <p:spTree>
       <p:nvGrpSpPr>
@@ -1332,7 +1332,7 @@
 </file>
 
 <file path=ppt/notesSlides/notesSlide15.xml><?xml version="1.0" encoding="utf-8"?>
-<p:notes xmlns:a="http://schemas.openxmlformats.org/drawingml/2006/main" xmlns:r="http://schemas.openxmlformats.org/officeDocument/2006/relationships" xmlns:mc="http://schemas.openxmlformats.org/markup-compatibility/2006" xmlns:mv="urn:schemas-microsoft-com:mac:vml" xmlns:p="http://schemas.openxmlformats.org/presentationml/2006/main" xmlns:c="http://schemas.openxmlformats.org/drawingml/2006/chart" xmlns:dgm="http://schemas.openxmlformats.org/drawingml/2006/diagram" xmlns:o="urn:schemas-microsoft-com:office:office" xmlns:v="urn:schemas-microsoft-com:vml" xmlns:pvml="urn:schemas-microsoft-com:office:powerpoint" xmlns:com="http://schemas.openxmlformats.org/drawingml/2006/compatibility" xmlns:p14="http://schemas.microsoft.com/office/powerpoint/2010/main" xmlns:p15="http://schemas.microsoft.com/office/powerpoint/2012/main" showMasterPhAnim="0" showMasterSp="0">
+<p:notes xmlns:a="http://schemas.openxmlformats.org/drawingml/2006/main" xmlns:r="http://schemas.openxmlformats.org/officeDocument/2006/relationships" xmlns:mc="http://schemas.openxmlformats.org/markup-compatibility/2006" xmlns:mv="urn:schemas-microsoft-com:mac:vml" xmlns:p="http://schemas.openxmlformats.org/presentationml/2006/main" xmlns:c="http://schemas.openxmlformats.org/drawingml/2006/chart" xmlns:dgm="http://schemas.openxmlformats.org/drawingml/2006/diagram" xmlns:o="urn:schemas-microsoft-com:office:office" xmlns:v="urn:schemas-microsoft-com:vml" xmlns:pvml="urn:schemas-microsoft-com:office:powerpoint" xmlns:com="http://schemas.openxmlformats.org/drawingml/2006/compatibility" xmlns:p14="http://schemas.microsoft.com/office/powerpoint/2010/main" xmlns:p15="http://schemas.microsoft.com/office/powerpoint/2012/main" xmlns:ahyp="http://schemas.microsoft.com/office/drawing/2018/hyperlinkcolor" showMasterPhAnim="0" showMasterSp="0">
   <p:cSld>
     <p:spTree>
       <p:nvGrpSpPr>
@@ -1431,7 +1431,7 @@
 </file>
 
 <file path=ppt/notesSlides/notesSlide16.xml><?xml version="1.0" encoding="utf-8"?>
-<p:notes xmlns:a="http://schemas.openxmlformats.org/drawingml/2006/main" xmlns:r="http://schemas.openxmlformats.org/officeDocument/2006/relationships" xmlns:mc="http://schemas.openxmlformats.org/markup-compatibility/2006" xmlns:mv="urn:schemas-microsoft-com:mac:vml" xmlns:p="http://schemas.openxmlformats.org/presentationml/2006/main" xmlns:c="http://schemas.openxmlformats.org/drawingml/2006/chart" xmlns:dgm="http://schemas.openxmlformats.org/drawingml/2006/diagram" xmlns:o="urn:schemas-microsoft-com:office:office" xmlns:v="urn:schemas-microsoft-com:vml" xmlns:pvml="urn:schemas-microsoft-com:office:powerpoint" xmlns:com="http://schemas.openxmlformats.org/drawingml/2006/compatibility" xmlns:p14="http://schemas.microsoft.com/office/powerpoint/2010/main" xmlns:p15="http://schemas.microsoft.com/office/powerpoint/2012/main" showMasterPhAnim="0" showMasterSp="0">
+<p:notes xmlns:a="http://schemas.openxmlformats.org/drawingml/2006/main" xmlns:r="http://schemas.openxmlformats.org/officeDocument/2006/relationships" xmlns:mc="http://schemas.openxmlformats.org/markup-compatibility/2006" xmlns:mv="urn:schemas-microsoft-com:mac:vml" xmlns:p="http://schemas.openxmlformats.org/presentationml/2006/main" xmlns:c="http://schemas.openxmlformats.org/drawingml/2006/chart" xmlns:dgm="http://schemas.openxmlformats.org/drawingml/2006/diagram" xmlns:o="urn:schemas-microsoft-com:office:office" xmlns:v="urn:schemas-microsoft-com:vml" xmlns:pvml="urn:schemas-microsoft-com:office:powerpoint" xmlns:com="http://schemas.openxmlformats.org/drawingml/2006/compatibility" xmlns:p14="http://schemas.microsoft.com/office/powerpoint/2010/main" xmlns:p15="http://schemas.microsoft.com/office/powerpoint/2012/main" xmlns:ahyp="http://schemas.microsoft.com/office/drawing/2018/hyperlinkcolor" showMasterPhAnim="0" showMasterSp="0">
   <p:cSld>
     <p:spTree>
       <p:nvGrpSpPr>
@@ -1530,7 +1530,7 @@
 </file>
 
 <file path=ppt/notesSlides/notesSlide2.xml><?xml version="1.0" encoding="utf-8"?>
-<p:notes xmlns:a="http://schemas.openxmlformats.org/drawingml/2006/main" xmlns:r="http://schemas.openxmlformats.org/officeDocument/2006/relationships" xmlns:mc="http://schemas.openxmlformats.org/markup-compatibility/2006" xmlns:mv="urn:schemas-microsoft-com:mac:vml" xmlns:p="http://schemas.openxmlformats.org/presentationml/2006/main" xmlns:c="http://schemas.openxmlformats.org/drawingml/2006/chart" xmlns:dgm="http://schemas.openxmlformats.org/drawingml/2006/diagram" xmlns:o="urn:schemas-microsoft-com:office:office" xmlns:v="urn:schemas-microsoft-com:vml" xmlns:pvml="urn:schemas-microsoft-com:office:powerpoint" xmlns:com="http://schemas.openxmlformats.org/drawingml/2006/compatibility" xmlns:p14="http://schemas.microsoft.com/office/powerpoint/2010/main" xmlns:p15="http://schemas.microsoft.com/office/powerpoint/2012/main" showMasterPhAnim="0" showMasterSp="0">
+<p:notes xmlns:a="http://schemas.openxmlformats.org/drawingml/2006/main" xmlns:r="http://schemas.openxmlformats.org/officeDocument/2006/relationships" xmlns:mc="http://schemas.openxmlformats.org/markup-compatibility/2006" xmlns:mv="urn:schemas-microsoft-com:mac:vml" xmlns:p="http://schemas.openxmlformats.org/presentationml/2006/main" xmlns:c="http://schemas.openxmlformats.org/drawingml/2006/chart" xmlns:dgm="http://schemas.openxmlformats.org/drawingml/2006/diagram" xmlns:o="urn:schemas-microsoft-com:office:office" xmlns:v="urn:schemas-microsoft-com:vml" xmlns:pvml="urn:schemas-microsoft-com:office:powerpoint" xmlns:com="http://schemas.openxmlformats.org/drawingml/2006/compatibility" xmlns:p14="http://schemas.microsoft.com/office/powerpoint/2010/main" xmlns:p15="http://schemas.microsoft.com/office/powerpoint/2012/main" xmlns:ahyp="http://schemas.microsoft.com/office/drawing/2018/hyperlinkcolor" showMasterPhAnim="0" showMasterSp="0">
   <p:cSld>
     <p:spTree>
       <p:nvGrpSpPr>
@@ -1629,7 +1629,7 @@
 </file>
 
 <file path=ppt/notesSlides/notesSlide3.xml><?xml version="1.0" encoding="utf-8"?>
-<p:notes xmlns:a="http://schemas.openxmlformats.org/drawingml/2006/main" xmlns:r="http://schemas.openxmlformats.org/officeDocument/2006/relationships" xmlns:mc="http://schemas.openxmlformats.org/markup-compatibility/2006" xmlns:mv="urn:schemas-microsoft-com:mac:vml" xmlns:p="http://schemas.openxmlformats.org/presentationml/2006/main" xmlns:c="http://schemas.openxmlformats.org/drawingml/2006/chart" xmlns:dgm="http://schemas.openxmlformats.org/drawingml/2006/diagram" xmlns:o="urn:schemas-microsoft-com:office:office" xmlns:v="urn:schemas-microsoft-com:vml" xmlns:pvml="urn:schemas-microsoft-com:office:powerpoint" xmlns:com="http://schemas.openxmlformats.org/drawingml/2006/compatibility" xmlns:p14="http://schemas.microsoft.com/office/powerpoint/2010/main" xmlns:p15="http://schemas.microsoft.com/office/powerpoint/2012/main" showMasterPhAnim="0" showMasterSp="0">
+<p:notes xmlns:a="http://schemas.openxmlformats.org/drawingml/2006/main" xmlns:r="http://schemas.openxmlformats.org/officeDocument/2006/relationships" xmlns:mc="http://schemas.openxmlformats.org/markup-compatibility/2006" xmlns:mv="urn:schemas-microsoft-com:mac:vml" xmlns:p="http://schemas.openxmlformats.org/presentationml/2006/main" xmlns:c="http://schemas.openxmlformats.org/drawingml/2006/chart" xmlns:dgm="http://schemas.openxmlformats.org/drawingml/2006/diagram" xmlns:o="urn:schemas-microsoft-com:office:office" xmlns:v="urn:schemas-microsoft-com:vml" xmlns:pvml="urn:schemas-microsoft-com:office:powerpoint" xmlns:com="http://schemas.openxmlformats.org/drawingml/2006/compatibility" xmlns:p14="http://schemas.microsoft.com/office/powerpoint/2010/main" xmlns:p15="http://schemas.microsoft.com/office/powerpoint/2012/main" xmlns:ahyp="http://schemas.microsoft.com/office/drawing/2018/hyperlinkcolor" showMasterPhAnim="0" showMasterSp="0">
   <p:cSld>
     <p:spTree>
       <p:nvGrpSpPr>
@@ -1728,7 +1728,7 @@
 </file>
 
 <file path=ppt/notesSlides/notesSlide4.xml><?xml version="1.0" encoding="utf-8"?>
-<p:notes xmlns:a="http://schemas.openxmlformats.org/drawingml/2006/main" xmlns:r="http://schemas.openxmlformats.org/officeDocument/2006/relationships" xmlns:mc="http://schemas.openxmlformats.org/markup-compatibility/2006" xmlns:mv="urn:schemas-microsoft-com:mac:vml" xmlns:p="http://schemas.openxmlformats.org/presentationml/2006/main" xmlns:c="http://schemas.openxmlformats.org/drawingml/2006/chart" xmlns:dgm="http://schemas.openxmlformats.org/drawingml/2006/diagram" xmlns:o="urn:schemas-microsoft-com:office:office" xmlns:v="urn:schemas-microsoft-com:vml" xmlns:pvml="urn:schemas-microsoft-com:office:powerpoint" xmlns:com="http://schemas.openxmlformats.org/drawingml/2006/compatibility" xmlns:p14="http://schemas.microsoft.com/office/powerpoint/2010/main" xmlns:p15="http://schemas.microsoft.com/office/powerpoint/2012/main" showMasterPhAnim="0" showMasterSp="0">
+<p:notes xmlns:a="http://schemas.openxmlformats.org/drawingml/2006/main" xmlns:r="http://schemas.openxmlformats.org/officeDocument/2006/relationships" xmlns:mc="http://schemas.openxmlformats.org/markup-compatibility/2006" xmlns:mv="urn:schemas-microsoft-com:mac:vml" xmlns:p="http://schemas.openxmlformats.org/presentationml/2006/main" xmlns:c="http://schemas.openxmlformats.org/drawingml/2006/chart" xmlns:dgm="http://schemas.openxmlformats.org/drawingml/2006/diagram" xmlns:o="urn:schemas-microsoft-com:office:office" xmlns:v="urn:schemas-microsoft-com:vml" xmlns:pvml="urn:schemas-microsoft-com:office:powerpoint" xmlns:com="http://schemas.openxmlformats.org/drawingml/2006/compatibility" xmlns:p14="http://schemas.microsoft.com/office/powerpoint/2010/main" xmlns:p15="http://schemas.microsoft.com/office/powerpoint/2012/main" xmlns:ahyp="http://schemas.microsoft.com/office/drawing/2018/hyperlinkcolor" showMasterPhAnim="0" showMasterSp="0">
   <p:cSld>
     <p:spTree>
       <p:nvGrpSpPr>
@@ -1827,7 +1827,7 @@
 </file>
 
 <file path=ppt/notesSlides/notesSlide5.xml><?xml version="1.0" encoding="utf-8"?>
-<p:notes xmlns:a="http://schemas.openxmlformats.org/drawingml/2006/main" xmlns:r="http://schemas.openxmlformats.org/officeDocument/2006/relationships" xmlns:mc="http://schemas.openxmlformats.org/markup-compatibility/2006" xmlns:mv="urn:schemas-microsoft-com:mac:vml" xmlns:p="http://schemas.openxmlformats.org/presentationml/2006/main" xmlns:c="http://schemas.openxmlformats.org/drawingml/2006/chart" xmlns:dgm="http://schemas.openxmlformats.org/drawingml/2006/diagram" xmlns:o="urn:schemas-microsoft-com:office:office" xmlns:v="urn:schemas-microsoft-com:vml" xmlns:pvml="urn:schemas-microsoft-com:office:powerpoint" xmlns:com="http://schemas.openxmlformats.org/drawingml/2006/compatibility" xmlns:p14="http://schemas.microsoft.com/office/powerpoint/2010/main" xmlns:p15="http://schemas.microsoft.com/office/powerpoint/2012/main" showMasterPhAnim="0" showMasterSp="0">
+<p:notes xmlns:a="http://schemas.openxmlformats.org/drawingml/2006/main" xmlns:r="http://schemas.openxmlformats.org/officeDocument/2006/relationships" xmlns:mc="http://schemas.openxmlformats.org/markup-compatibility/2006" xmlns:mv="urn:schemas-microsoft-com:mac:vml" xmlns:p="http://schemas.openxmlformats.org/presentationml/2006/main" xmlns:c="http://schemas.openxmlformats.org/drawingml/2006/chart" xmlns:dgm="http://schemas.openxmlformats.org/drawingml/2006/diagram" xmlns:o="urn:schemas-microsoft-com:office:office" xmlns:v="urn:schemas-microsoft-com:vml" xmlns:pvml="urn:schemas-microsoft-com:office:powerpoint" xmlns:com="http://schemas.openxmlformats.org/drawingml/2006/compatibility" xmlns:p14="http://schemas.microsoft.com/office/powerpoint/2010/main" xmlns:p15="http://schemas.microsoft.com/office/powerpoint/2012/main" xmlns:ahyp="http://schemas.microsoft.com/office/drawing/2018/hyperlinkcolor" showMasterPhAnim="0" showMasterSp="0">
   <p:cSld>
     <p:spTree>
       <p:nvGrpSpPr>
@@ -1926,7 +1926,7 @@
 </file>
 
 <file path=ppt/notesSlides/notesSlide6.xml><?xml version="1.0" encoding="utf-8"?>
-<p:notes xmlns:a="http://schemas.openxmlformats.org/drawingml/2006/main" xmlns:r="http://schemas.openxmlformats.org/officeDocument/2006/relationships" xmlns:mc="http://schemas.openxmlformats.org/markup-compatibility/2006" xmlns:mv="urn:schemas-microsoft-com:mac:vml" xmlns:p="http://schemas.openxmlformats.org/presentationml/2006/main" xmlns:c="http://schemas.openxmlformats.org/drawingml/2006/chart" xmlns:dgm="http://schemas.openxmlformats.org/drawingml/2006/diagram" xmlns:o="urn:schemas-microsoft-com:office:office" xmlns:v="urn:schemas-microsoft-com:vml" xmlns:pvml="urn:schemas-microsoft-com:office:powerpoint" xmlns:com="http://schemas.openxmlformats.org/drawingml/2006/compatibility" xmlns:p14="http://schemas.microsoft.com/office/powerpoint/2010/main" xmlns:p15="http://schemas.microsoft.com/office/powerpoint/2012/main" showMasterPhAnim="0" showMasterSp="0">
+<p:notes xmlns:a="http://schemas.openxmlformats.org/drawingml/2006/main" xmlns:r="http://schemas.openxmlformats.org/officeDocument/2006/relationships" xmlns:mc="http://schemas.openxmlformats.org/markup-compatibility/2006" xmlns:mv="urn:schemas-microsoft-com:mac:vml" xmlns:p="http://schemas.openxmlformats.org/presentationml/2006/main" xmlns:c="http://schemas.openxmlformats.org/drawingml/2006/chart" xmlns:dgm="http://schemas.openxmlformats.org/drawingml/2006/diagram" xmlns:o="urn:schemas-microsoft-com:office:office" xmlns:v="urn:schemas-microsoft-com:vml" xmlns:pvml="urn:schemas-microsoft-com:office:powerpoint" xmlns:com="http://schemas.openxmlformats.org/drawingml/2006/compatibility" xmlns:p14="http://schemas.microsoft.com/office/powerpoint/2010/main" xmlns:p15="http://schemas.microsoft.com/office/powerpoint/2012/main" xmlns:ahyp="http://schemas.microsoft.com/office/drawing/2018/hyperlinkcolor" showMasterPhAnim="0" showMasterSp="0">
   <p:cSld>
     <p:spTree>
       <p:nvGrpSpPr>
@@ -2025,7 +2025,7 @@
 </file>
 
 <file path=ppt/notesSlides/notesSlide7.xml><?xml version="1.0" encoding="utf-8"?>
-<p:notes xmlns:a="http://schemas.openxmlformats.org/drawingml/2006/main" xmlns:r="http://schemas.openxmlformats.org/officeDocument/2006/relationships" xmlns:mc="http://schemas.openxmlformats.org/markup-compatibility/2006" xmlns:mv="urn:schemas-microsoft-com:mac:vml" xmlns:p="http://schemas.openxmlformats.org/presentationml/2006/main" xmlns:c="http://schemas.openxmlformats.org/drawingml/2006/chart" xmlns:dgm="http://schemas.openxmlformats.org/drawingml/2006/diagram" xmlns:o="urn:schemas-microsoft-com:office:office" xmlns:v="urn:schemas-microsoft-com:vml" xmlns:pvml="urn:schemas-microsoft-com:office:powerpoint" xmlns:com="http://schemas.openxmlformats.org/drawingml/2006/compatibility" xmlns:p14="http://schemas.microsoft.com/office/powerpoint/2010/main" xmlns:p15="http://schemas.microsoft.com/office/powerpoint/2012/main" showMasterPhAnim="0" showMasterSp="0">
+<p:notes xmlns:a="http://schemas.openxmlformats.org/drawingml/2006/main" xmlns:r="http://schemas.openxmlformats.org/officeDocument/2006/relationships" xmlns:mc="http://schemas.openxmlformats.org/markup-compatibility/2006" xmlns:mv="urn:schemas-microsoft-com:mac:vml" xmlns:p="http://schemas.openxmlformats.org/presentationml/2006/main" xmlns:c="http://schemas.openxmlformats.org/drawingml/2006/chart" xmlns:dgm="http://schemas.openxmlformats.org/drawingml/2006/diagram" xmlns:o="urn:schemas-microsoft-com:office:office" xmlns:v="urn:schemas-microsoft-com:vml" xmlns:pvml="urn:schemas-microsoft-com:office:powerpoint" xmlns:com="http://schemas.openxmlformats.org/drawingml/2006/compatibility" xmlns:p14="http://schemas.microsoft.com/office/powerpoint/2010/main" xmlns:p15="http://schemas.microsoft.com/office/powerpoint/2012/main" xmlns:ahyp="http://schemas.microsoft.com/office/drawing/2018/hyperlinkcolor" showMasterPhAnim="0" showMasterSp="0">
   <p:cSld>
     <p:spTree>
       <p:nvGrpSpPr>
@@ -2124,7 +2124,7 @@
 </file>
 
 <file path=ppt/notesSlides/notesSlide8.xml><?xml version="1.0" encoding="utf-8"?>
-<p:notes xmlns:a="http://schemas.openxmlformats.org/drawingml/2006/main" xmlns:r="http://schemas.openxmlformats.org/officeDocument/2006/relationships" xmlns:mc="http://schemas.openxmlformats.org/markup-compatibility/2006" xmlns:mv="urn:schemas-microsoft-com:mac:vml" xmlns:p="http://schemas.openxmlformats.org/presentationml/2006/main" xmlns:c="http://schemas.openxmlformats.org/drawingml/2006/chart" xmlns:dgm="http://schemas.openxmlformats.org/drawingml/2006/diagram" xmlns:o="urn:schemas-microsoft-com:office:office" xmlns:v="urn:schemas-microsoft-com:vml" xmlns:pvml="urn:schemas-microsoft-com:office:powerpoint" xmlns:com="http://schemas.openxmlformats.org/drawingml/2006/compatibility" xmlns:p14="http://schemas.microsoft.com/office/powerpoint/2010/main" xmlns:p15="http://schemas.microsoft.com/office/powerpoint/2012/main" showMasterPhAnim="0" showMasterSp="0">
+<p:notes xmlns:a="http://schemas.openxmlformats.org/drawingml/2006/main" xmlns:r="http://schemas.openxmlformats.org/officeDocument/2006/relationships" xmlns:mc="http://schemas.openxmlformats.org/markup-compatibility/2006" xmlns:mv="urn:schemas-microsoft-com:mac:vml" xmlns:p="http://schemas.openxmlformats.org/presentationml/2006/main" xmlns:c="http://schemas.openxmlformats.org/drawingml/2006/chart" xmlns:dgm="http://schemas.openxmlformats.org/drawingml/2006/diagram" xmlns:o="urn:schemas-microsoft-com:office:office" xmlns:v="urn:schemas-microsoft-com:vml" xmlns:pvml="urn:schemas-microsoft-com:office:powerpoint" xmlns:com="http://schemas.openxmlformats.org/drawingml/2006/compatibility" xmlns:p14="http://schemas.microsoft.com/office/powerpoint/2010/main" xmlns:p15="http://schemas.microsoft.com/office/powerpoint/2012/main" xmlns:ahyp="http://schemas.microsoft.com/office/drawing/2018/hyperlinkcolor" showMasterPhAnim="0" showMasterSp="0">
   <p:cSld>
     <p:spTree>
       <p:nvGrpSpPr>
@@ -2223,7 +2223,7 @@
 </file>
 
 <file path=ppt/notesSlides/notesSlide9.xml><?xml version="1.0" encoding="utf-8"?>
-<p:notes xmlns:a="http://schemas.openxmlformats.org/drawingml/2006/main" xmlns:r="http://schemas.openxmlformats.org/officeDocument/2006/relationships" xmlns:mc="http://schemas.openxmlformats.org/markup-compatibility/2006" xmlns:mv="urn:schemas-microsoft-com:mac:vml" xmlns:p="http://schemas.openxmlformats.org/presentationml/2006/main" xmlns:c="http://schemas.openxmlformats.org/drawingml/2006/chart" xmlns:dgm="http://schemas.openxmlformats.org/drawingml/2006/diagram" xmlns:o="urn:schemas-microsoft-com:office:office" xmlns:v="urn:schemas-microsoft-com:vml" xmlns:pvml="urn:schemas-microsoft-com:office:powerpoint" xmlns:com="http://schemas.openxmlformats.org/drawingml/2006/compatibility" xmlns:p14="http://schemas.microsoft.com/office/powerpoint/2010/main" xmlns:p15="http://schemas.microsoft.com/office/powerpoint/2012/main" showMasterPhAnim="0" showMasterSp="0">
+<p:notes xmlns:a="http://schemas.openxmlformats.org/drawingml/2006/main" xmlns:r="http://schemas.openxmlformats.org/officeDocument/2006/relationships" xmlns:mc="http://schemas.openxmlformats.org/markup-compatibility/2006" xmlns:mv="urn:schemas-microsoft-com:mac:vml" xmlns:p="http://schemas.openxmlformats.org/presentationml/2006/main" xmlns:c="http://schemas.openxmlformats.org/drawingml/2006/chart" xmlns:dgm="http://schemas.openxmlformats.org/drawingml/2006/diagram" xmlns:o="urn:schemas-microsoft-com:office:office" xmlns:v="urn:schemas-microsoft-com:vml" xmlns:pvml="urn:schemas-microsoft-com:office:powerpoint" xmlns:com="http://schemas.openxmlformats.org/drawingml/2006/compatibility" xmlns:p14="http://schemas.microsoft.com/office/powerpoint/2010/main" xmlns:p15="http://schemas.microsoft.com/office/powerpoint/2012/main" xmlns:ahyp="http://schemas.microsoft.com/office/drawing/2018/hyperlinkcolor" showMasterPhAnim="0" showMasterSp="0">
   <p:cSld>
     <p:spTree>
       <p:nvGrpSpPr>
@@ -2322,7 +2322,7 @@
 </file>
 
 <file path=ppt/slideLayouts/slideLayout1.xml><?xml version="1.0" encoding="utf-8"?>
-<p:sldLayout xmlns:a="http://schemas.openxmlformats.org/drawingml/2006/main" xmlns:r="http://schemas.openxmlformats.org/officeDocument/2006/relationships" xmlns:mc="http://schemas.openxmlformats.org/markup-compatibility/2006" xmlns:mv="urn:schemas-microsoft-com:mac:vml" xmlns:p="http://schemas.openxmlformats.org/presentationml/2006/main" xmlns:c="http://schemas.openxmlformats.org/drawingml/2006/chart" xmlns:dgm="http://schemas.openxmlformats.org/drawingml/2006/diagram" xmlns:o="urn:schemas-microsoft-com:office:office" xmlns:v="urn:schemas-microsoft-com:vml" xmlns:pvml="urn:schemas-microsoft-com:office:powerpoint" xmlns:com="http://schemas.openxmlformats.org/drawingml/2006/compatibility" xmlns:p14="http://schemas.microsoft.com/office/powerpoint/2010/main" xmlns:p15="http://schemas.microsoft.com/office/powerpoint/2012/main" matchingName="Blank" type="blank">
+<p:sldLayout xmlns:a="http://schemas.openxmlformats.org/drawingml/2006/main" xmlns:r="http://schemas.openxmlformats.org/officeDocument/2006/relationships" xmlns:mc="http://schemas.openxmlformats.org/markup-compatibility/2006" xmlns:mv="urn:schemas-microsoft-com:mac:vml" xmlns:p="http://schemas.openxmlformats.org/presentationml/2006/main" xmlns:c="http://schemas.openxmlformats.org/drawingml/2006/chart" xmlns:dgm="http://schemas.openxmlformats.org/drawingml/2006/diagram" xmlns:o="urn:schemas-microsoft-com:office:office" xmlns:v="urn:schemas-microsoft-com:vml" xmlns:pvml="urn:schemas-microsoft-com:office:powerpoint" xmlns:com="http://schemas.openxmlformats.org/drawingml/2006/compatibility" xmlns:p14="http://schemas.microsoft.com/office/powerpoint/2010/main" xmlns:p15="http://schemas.microsoft.com/office/powerpoint/2012/main" xmlns:ahyp="http://schemas.microsoft.com/office/drawing/2018/hyperlinkcolor" matchingName="Blank" type="blank">
   <p:cSld name="BLANK">
     <p:spTree>
       <p:nvGrpSpPr>
@@ -2713,7 +2713,7 @@
 </file>
 
 <file path=ppt/slideLayouts/slideLayout10.xml><?xml version="1.0" encoding="utf-8"?>
-<p:sldLayout xmlns:a="http://schemas.openxmlformats.org/drawingml/2006/main" xmlns:r="http://schemas.openxmlformats.org/officeDocument/2006/relationships" xmlns:mc="http://schemas.openxmlformats.org/markup-compatibility/2006" xmlns:mv="urn:schemas-microsoft-com:mac:vml" xmlns:p="http://schemas.openxmlformats.org/presentationml/2006/main" xmlns:c="http://schemas.openxmlformats.org/drawingml/2006/chart" xmlns:dgm="http://schemas.openxmlformats.org/drawingml/2006/diagram" xmlns:o="urn:schemas-microsoft-com:office:office" xmlns:v="urn:schemas-microsoft-com:vml" xmlns:pvml="urn:schemas-microsoft-com:office:powerpoint" xmlns:com="http://schemas.openxmlformats.org/drawingml/2006/compatibility" xmlns:p14="http://schemas.microsoft.com/office/powerpoint/2010/main" xmlns:p15="http://schemas.microsoft.com/office/powerpoint/2012/main" matchingName="Title and Vertical Text" type="vertTx">
+<p:sldLayout xmlns:a="http://schemas.openxmlformats.org/drawingml/2006/main" xmlns:r="http://schemas.openxmlformats.org/officeDocument/2006/relationships" xmlns:mc="http://schemas.openxmlformats.org/markup-compatibility/2006" xmlns:mv="urn:schemas-microsoft-com:mac:vml" xmlns:p="http://schemas.openxmlformats.org/presentationml/2006/main" xmlns:c="http://schemas.openxmlformats.org/drawingml/2006/chart" xmlns:dgm="http://schemas.openxmlformats.org/drawingml/2006/diagram" xmlns:o="urn:schemas-microsoft-com:office:office" xmlns:v="urn:schemas-microsoft-com:vml" xmlns:pvml="urn:schemas-microsoft-com:office:powerpoint" xmlns:com="http://schemas.openxmlformats.org/drawingml/2006/compatibility" xmlns:p14="http://schemas.microsoft.com/office/powerpoint/2010/main" xmlns:p15="http://schemas.microsoft.com/office/powerpoint/2012/main" xmlns:ahyp="http://schemas.microsoft.com/office/drawing/2018/hyperlinkcolor" matchingName="Title and Vertical Text" type="vertTx">
   <p:cSld name="VERTICAL_TEXT">
     <p:spTree>
       <p:nvGrpSpPr>
@@ -3392,7 +3392,7 @@
 </file>
 
 <file path=ppt/slideLayouts/slideLayout11.xml><?xml version="1.0" encoding="utf-8"?>
-<p:sldLayout xmlns:a="http://schemas.openxmlformats.org/drawingml/2006/main" xmlns:r="http://schemas.openxmlformats.org/officeDocument/2006/relationships" xmlns:mc="http://schemas.openxmlformats.org/markup-compatibility/2006" xmlns:mv="urn:schemas-microsoft-com:mac:vml" xmlns:p="http://schemas.openxmlformats.org/presentationml/2006/main" xmlns:c="http://schemas.openxmlformats.org/drawingml/2006/chart" xmlns:dgm="http://schemas.openxmlformats.org/drawingml/2006/diagram" xmlns:o="urn:schemas-microsoft-com:office:office" xmlns:v="urn:schemas-microsoft-com:vml" xmlns:pvml="urn:schemas-microsoft-com:office:powerpoint" xmlns:com="http://schemas.openxmlformats.org/drawingml/2006/compatibility" xmlns:p14="http://schemas.microsoft.com/office/powerpoint/2010/main" xmlns:p15="http://schemas.microsoft.com/office/powerpoint/2012/main" matchingName="Vertical Title and Text" type="vertTitleAndTx">
+<p:sldLayout xmlns:a="http://schemas.openxmlformats.org/drawingml/2006/main" xmlns:r="http://schemas.openxmlformats.org/officeDocument/2006/relationships" xmlns:mc="http://schemas.openxmlformats.org/markup-compatibility/2006" xmlns:mv="urn:schemas-microsoft-com:mac:vml" xmlns:p="http://schemas.openxmlformats.org/presentationml/2006/main" xmlns:c="http://schemas.openxmlformats.org/drawingml/2006/chart" xmlns:dgm="http://schemas.openxmlformats.org/drawingml/2006/diagram" xmlns:o="urn:schemas-microsoft-com:office:office" xmlns:v="urn:schemas-microsoft-com:vml" xmlns:pvml="urn:schemas-microsoft-com:office:powerpoint" xmlns:com="http://schemas.openxmlformats.org/drawingml/2006/compatibility" xmlns:p14="http://schemas.microsoft.com/office/powerpoint/2010/main" xmlns:p15="http://schemas.microsoft.com/office/powerpoint/2012/main" xmlns:ahyp="http://schemas.microsoft.com/office/drawing/2018/hyperlinkcolor" matchingName="Vertical Title and Text" type="vertTitleAndTx">
   <p:cSld name="VERTICAL_TITLE_AND_VERTICAL_TEXT">
     <p:spTree>
       <p:nvGrpSpPr>
@@ -4071,7 +4071,7 @@
 </file>
 
 <file path=ppt/slideLayouts/slideLayout2.xml><?xml version="1.0" encoding="utf-8"?>
-<p:sldLayout xmlns:a="http://schemas.openxmlformats.org/drawingml/2006/main" xmlns:r="http://schemas.openxmlformats.org/officeDocument/2006/relationships" xmlns:mc="http://schemas.openxmlformats.org/markup-compatibility/2006" xmlns:mv="urn:schemas-microsoft-com:mac:vml" xmlns:p="http://schemas.openxmlformats.org/presentationml/2006/main" xmlns:c="http://schemas.openxmlformats.org/drawingml/2006/chart" xmlns:dgm="http://schemas.openxmlformats.org/drawingml/2006/diagram" xmlns:o="urn:schemas-microsoft-com:office:office" xmlns:v="urn:schemas-microsoft-com:vml" xmlns:pvml="urn:schemas-microsoft-com:office:powerpoint" xmlns:com="http://schemas.openxmlformats.org/drawingml/2006/compatibility" xmlns:p14="http://schemas.microsoft.com/office/powerpoint/2010/main" xmlns:p15="http://schemas.microsoft.com/office/powerpoint/2012/main" matchingName="Title Slide" type="title">
+<p:sldLayout xmlns:a="http://schemas.openxmlformats.org/drawingml/2006/main" xmlns:r="http://schemas.openxmlformats.org/officeDocument/2006/relationships" xmlns:mc="http://schemas.openxmlformats.org/markup-compatibility/2006" xmlns:mv="urn:schemas-microsoft-com:mac:vml" xmlns:p="http://schemas.openxmlformats.org/presentationml/2006/main" xmlns:c="http://schemas.openxmlformats.org/drawingml/2006/chart" xmlns:dgm="http://schemas.openxmlformats.org/drawingml/2006/diagram" xmlns:o="urn:schemas-microsoft-com:office:office" xmlns:v="urn:schemas-microsoft-com:vml" xmlns:pvml="urn:schemas-microsoft-com:office:powerpoint" xmlns:com="http://schemas.openxmlformats.org/drawingml/2006/compatibility" xmlns:p14="http://schemas.microsoft.com/office/powerpoint/2010/main" xmlns:p15="http://schemas.microsoft.com/office/powerpoint/2012/main" xmlns:ahyp="http://schemas.microsoft.com/office/drawing/2018/hyperlinkcolor" matchingName="Title Slide" type="title">
   <p:cSld name="TITLE">
     <p:spTree>
       <p:nvGrpSpPr>
@@ -4786,7 +4786,7 @@
 </file>
 
 <file path=ppt/slideLayouts/slideLayout3.xml><?xml version="1.0" encoding="utf-8"?>
-<p:sldLayout xmlns:a="http://schemas.openxmlformats.org/drawingml/2006/main" xmlns:r="http://schemas.openxmlformats.org/officeDocument/2006/relationships" xmlns:mc="http://schemas.openxmlformats.org/markup-compatibility/2006" xmlns:mv="urn:schemas-microsoft-com:mac:vml" xmlns:p="http://schemas.openxmlformats.org/presentationml/2006/main" xmlns:c="http://schemas.openxmlformats.org/drawingml/2006/chart" xmlns:dgm="http://schemas.openxmlformats.org/drawingml/2006/diagram" xmlns:o="urn:schemas-microsoft-com:office:office" xmlns:v="urn:schemas-microsoft-com:vml" xmlns:pvml="urn:schemas-microsoft-com:office:powerpoint" xmlns:com="http://schemas.openxmlformats.org/drawingml/2006/compatibility" xmlns:p14="http://schemas.microsoft.com/office/powerpoint/2010/main" xmlns:p15="http://schemas.microsoft.com/office/powerpoint/2012/main" matchingName="Title and Content" type="obj">
+<p:sldLayout xmlns:a="http://schemas.openxmlformats.org/drawingml/2006/main" xmlns:r="http://schemas.openxmlformats.org/officeDocument/2006/relationships" xmlns:mc="http://schemas.openxmlformats.org/markup-compatibility/2006" xmlns:mv="urn:schemas-microsoft-com:mac:vml" xmlns:p="http://schemas.openxmlformats.org/presentationml/2006/main" xmlns:c="http://schemas.openxmlformats.org/drawingml/2006/chart" xmlns:dgm="http://schemas.openxmlformats.org/drawingml/2006/diagram" xmlns:o="urn:schemas-microsoft-com:office:office" xmlns:v="urn:schemas-microsoft-com:vml" xmlns:pvml="urn:schemas-microsoft-com:office:powerpoint" xmlns:com="http://schemas.openxmlformats.org/drawingml/2006/compatibility" xmlns:p14="http://schemas.microsoft.com/office/powerpoint/2010/main" xmlns:p15="http://schemas.microsoft.com/office/powerpoint/2012/main" xmlns:ahyp="http://schemas.microsoft.com/office/drawing/2018/hyperlinkcolor" matchingName="Title and Content" type="obj">
   <p:cSld name="OBJECT">
     <p:spTree>
       <p:nvGrpSpPr>
@@ -5465,7 +5465,7 @@
 </file>
 
 <file path=ppt/slideLayouts/slideLayout4.xml><?xml version="1.0" encoding="utf-8"?>
-<p:sldLayout xmlns:a="http://schemas.openxmlformats.org/drawingml/2006/main" xmlns:r="http://schemas.openxmlformats.org/officeDocument/2006/relationships" xmlns:mc="http://schemas.openxmlformats.org/markup-compatibility/2006" xmlns:mv="urn:schemas-microsoft-com:mac:vml" xmlns:p="http://schemas.openxmlformats.org/presentationml/2006/main" xmlns:c="http://schemas.openxmlformats.org/drawingml/2006/chart" xmlns:dgm="http://schemas.openxmlformats.org/drawingml/2006/diagram" xmlns:o="urn:schemas-microsoft-com:office:office" xmlns:v="urn:schemas-microsoft-com:vml" xmlns:pvml="urn:schemas-microsoft-com:office:powerpoint" xmlns:com="http://schemas.openxmlformats.org/drawingml/2006/compatibility" xmlns:p14="http://schemas.microsoft.com/office/powerpoint/2010/main" xmlns:p15="http://schemas.microsoft.com/office/powerpoint/2012/main" matchingName="Section Header" type="secHead">
+<p:sldLayout xmlns:a="http://schemas.openxmlformats.org/drawingml/2006/main" xmlns:r="http://schemas.openxmlformats.org/officeDocument/2006/relationships" xmlns:mc="http://schemas.openxmlformats.org/markup-compatibility/2006" xmlns:mv="urn:schemas-microsoft-com:mac:vml" xmlns:p="http://schemas.openxmlformats.org/presentationml/2006/main" xmlns:c="http://schemas.openxmlformats.org/drawingml/2006/chart" xmlns:dgm="http://schemas.openxmlformats.org/drawingml/2006/diagram" xmlns:o="urn:schemas-microsoft-com:office:office" xmlns:v="urn:schemas-microsoft-com:vml" xmlns:pvml="urn:schemas-microsoft-com:office:powerpoint" xmlns:com="http://schemas.openxmlformats.org/drawingml/2006/compatibility" xmlns:p14="http://schemas.microsoft.com/office/powerpoint/2010/main" xmlns:p15="http://schemas.microsoft.com/office/powerpoint/2012/main" xmlns:ahyp="http://schemas.microsoft.com/office/drawing/2018/hyperlinkcolor" matchingName="Section Header" type="secHead">
   <p:cSld name="SECTION_HEADER">
     <p:spTree>
       <p:nvGrpSpPr>
@@ -6181,7 +6181,7 @@
 </file>
 
 <file path=ppt/slideLayouts/slideLayout5.xml><?xml version="1.0" encoding="utf-8"?>
-<p:sldLayout xmlns:a="http://schemas.openxmlformats.org/drawingml/2006/main" xmlns:r="http://schemas.openxmlformats.org/officeDocument/2006/relationships" xmlns:mc="http://schemas.openxmlformats.org/markup-compatibility/2006" xmlns:mv="urn:schemas-microsoft-com:mac:vml" xmlns:p="http://schemas.openxmlformats.org/presentationml/2006/main" xmlns:c="http://schemas.openxmlformats.org/drawingml/2006/chart" xmlns:dgm="http://schemas.openxmlformats.org/drawingml/2006/diagram" xmlns:o="urn:schemas-microsoft-com:office:office" xmlns:v="urn:schemas-microsoft-com:vml" xmlns:pvml="urn:schemas-microsoft-com:office:powerpoint" xmlns:com="http://schemas.openxmlformats.org/drawingml/2006/compatibility" xmlns:p14="http://schemas.microsoft.com/office/powerpoint/2010/main" xmlns:p15="http://schemas.microsoft.com/office/powerpoint/2012/main" matchingName="Two Content" type="twoObj">
+<p:sldLayout xmlns:a="http://schemas.openxmlformats.org/drawingml/2006/main" xmlns:r="http://schemas.openxmlformats.org/officeDocument/2006/relationships" xmlns:mc="http://schemas.openxmlformats.org/markup-compatibility/2006" xmlns:mv="urn:schemas-microsoft-com:mac:vml" xmlns:p="http://schemas.openxmlformats.org/presentationml/2006/main" xmlns:c="http://schemas.openxmlformats.org/drawingml/2006/chart" xmlns:dgm="http://schemas.openxmlformats.org/drawingml/2006/diagram" xmlns:o="urn:schemas-microsoft-com:office:office" xmlns:v="urn:schemas-microsoft-com:vml" xmlns:pvml="urn:schemas-microsoft-com:office:powerpoint" xmlns:com="http://schemas.openxmlformats.org/drawingml/2006/compatibility" xmlns:p14="http://schemas.microsoft.com/office/powerpoint/2010/main" xmlns:p15="http://schemas.microsoft.com/office/powerpoint/2012/main" xmlns:ahyp="http://schemas.microsoft.com/office/drawing/2018/hyperlinkcolor" matchingName="Two Content" type="twoObj">
   <p:cSld name="TWO_OBJECTS">
     <p:spTree>
       <p:nvGrpSpPr>
@@ -7016,7 +7016,7 @@
 </file>
 
 <file path=ppt/slideLayouts/slideLayout6.xml><?xml version="1.0" encoding="utf-8"?>
-<p:sldLayout xmlns:a="http://schemas.openxmlformats.org/drawingml/2006/main" xmlns:r="http://schemas.openxmlformats.org/officeDocument/2006/relationships" xmlns:mc="http://schemas.openxmlformats.org/markup-compatibility/2006" xmlns:mv="urn:schemas-microsoft-com:mac:vml" xmlns:p="http://schemas.openxmlformats.org/presentationml/2006/main" xmlns:c="http://schemas.openxmlformats.org/drawingml/2006/chart" xmlns:dgm="http://schemas.openxmlformats.org/drawingml/2006/diagram" xmlns:o="urn:schemas-microsoft-com:office:office" xmlns:v="urn:schemas-microsoft-com:vml" xmlns:pvml="urn:schemas-microsoft-com:office:powerpoint" xmlns:com="http://schemas.openxmlformats.org/drawingml/2006/compatibility" xmlns:p14="http://schemas.microsoft.com/office/powerpoint/2010/main" xmlns:p15="http://schemas.microsoft.com/office/powerpoint/2012/main" matchingName="Comparison" type="twoTxTwoObj">
+<p:sldLayout xmlns:a="http://schemas.openxmlformats.org/drawingml/2006/main" xmlns:r="http://schemas.openxmlformats.org/officeDocument/2006/relationships" xmlns:mc="http://schemas.openxmlformats.org/markup-compatibility/2006" xmlns:mv="urn:schemas-microsoft-com:mac:vml" xmlns:p="http://schemas.openxmlformats.org/presentationml/2006/main" xmlns:c="http://schemas.openxmlformats.org/drawingml/2006/chart" xmlns:dgm="http://schemas.openxmlformats.org/drawingml/2006/diagram" xmlns:o="urn:schemas-microsoft-com:office:office" xmlns:v="urn:schemas-microsoft-com:vml" xmlns:pvml="urn:schemas-microsoft-com:office:powerpoint" xmlns:com="http://schemas.openxmlformats.org/drawingml/2006/compatibility" xmlns:p14="http://schemas.microsoft.com/office/powerpoint/2010/main" xmlns:p15="http://schemas.microsoft.com/office/powerpoint/2012/main" xmlns:ahyp="http://schemas.microsoft.com/office/drawing/2018/hyperlinkcolor" matchingName="Comparison" type="twoTxTwoObj">
   <p:cSld name="TWO_OBJECTS_WITH_TEXT">
     <p:spTree>
       <p:nvGrpSpPr>
@@ -8164,7 +8164,7 @@
 </file>
 
 <file path=ppt/slideLayouts/slideLayout7.xml><?xml version="1.0" encoding="utf-8"?>
-<p:sldLayout xmlns:a="http://schemas.openxmlformats.org/drawingml/2006/main" xmlns:r="http://schemas.openxmlformats.org/officeDocument/2006/relationships" xmlns:mc="http://schemas.openxmlformats.org/markup-compatibility/2006" xmlns:mv="urn:schemas-microsoft-com:mac:vml" xmlns:p="http://schemas.openxmlformats.org/presentationml/2006/main" xmlns:c="http://schemas.openxmlformats.org/drawingml/2006/chart" xmlns:dgm="http://schemas.openxmlformats.org/drawingml/2006/diagram" xmlns:o="urn:schemas-microsoft-com:office:office" xmlns:v="urn:schemas-microsoft-com:vml" xmlns:pvml="urn:schemas-microsoft-com:office:powerpoint" xmlns:com="http://schemas.openxmlformats.org/drawingml/2006/compatibility" xmlns:p14="http://schemas.microsoft.com/office/powerpoint/2010/main" xmlns:p15="http://schemas.microsoft.com/office/powerpoint/2012/main" matchingName="Title Only" type="titleOnly">
+<p:sldLayout xmlns:a="http://schemas.openxmlformats.org/drawingml/2006/main" xmlns:r="http://schemas.openxmlformats.org/officeDocument/2006/relationships" xmlns:mc="http://schemas.openxmlformats.org/markup-compatibility/2006" xmlns:mv="urn:schemas-microsoft-com:mac:vml" xmlns:p="http://schemas.openxmlformats.org/presentationml/2006/main" xmlns:c="http://schemas.openxmlformats.org/drawingml/2006/chart" xmlns:dgm="http://schemas.openxmlformats.org/drawingml/2006/diagram" xmlns:o="urn:schemas-microsoft-com:office:office" xmlns:v="urn:schemas-microsoft-com:vml" xmlns:pvml="urn:schemas-microsoft-com:office:powerpoint" xmlns:com="http://schemas.openxmlformats.org/drawingml/2006/compatibility" xmlns:p14="http://schemas.microsoft.com/office/powerpoint/2010/main" xmlns:p15="http://schemas.microsoft.com/office/powerpoint/2012/main" xmlns:ahyp="http://schemas.microsoft.com/office/drawing/2018/hyperlinkcolor" matchingName="Title Only" type="titleOnly">
   <p:cSld name="TITLE_ONLY">
     <p:spTree>
       <p:nvGrpSpPr>
@@ -8687,7 +8687,7 @@
 </file>
 
 <file path=ppt/slideLayouts/slideLayout8.xml><?xml version="1.0" encoding="utf-8"?>
-<p:sldLayout xmlns:a="http://schemas.openxmlformats.org/drawingml/2006/main" xmlns:r="http://schemas.openxmlformats.org/officeDocument/2006/relationships" xmlns:mc="http://schemas.openxmlformats.org/markup-compatibility/2006" xmlns:mv="urn:schemas-microsoft-com:mac:vml" xmlns:p="http://schemas.openxmlformats.org/presentationml/2006/main" xmlns:c="http://schemas.openxmlformats.org/drawingml/2006/chart" xmlns:dgm="http://schemas.openxmlformats.org/drawingml/2006/diagram" xmlns:o="urn:schemas-microsoft-com:office:office" xmlns:v="urn:schemas-microsoft-com:vml" xmlns:pvml="urn:schemas-microsoft-com:office:powerpoint" xmlns:com="http://schemas.openxmlformats.org/drawingml/2006/compatibility" xmlns:p14="http://schemas.microsoft.com/office/powerpoint/2010/main" xmlns:p15="http://schemas.microsoft.com/office/powerpoint/2012/main" matchingName="Content with Caption" type="objTx">
+<p:sldLayout xmlns:a="http://schemas.openxmlformats.org/drawingml/2006/main" xmlns:r="http://schemas.openxmlformats.org/officeDocument/2006/relationships" xmlns:mc="http://schemas.openxmlformats.org/markup-compatibility/2006" xmlns:mv="urn:schemas-microsoft-com:mac:vml" xmlns:p="http://schemas.openxmlformats.org/presentationml/2006/main" xmlns:c="http://schemas.openxmlformats.org/drawingml/2006/chart" xmlns:dgm="http://schemas.openxmlformats.org/drawingml/2006/diagram" xmlns:o="urn:schemas-microsoft-com:office:office" xmlns:v="urn:schemas-microsoft-com:vml" xmlns:pvml="urn:schemas-microsoft-com:office:powerpoint" xmlns:com="http://schemas.openxmlformats.org/drawingml/2006/compatibility" xmlns:p14="http://schemas.microsoft.com/office/powerpoint/2010/main" xmlns:p15="http://schemas.microsoft.com/office/powerpoint/2012/main" xmlns:ahyp="http://schemas.microsoft.com/office/drawing/2018/hyperlinkcolor" matchingName="Content with Caption" type="objTx">
   <p:cSld name="OBJECT_WITH_CAPTION_TEXT">
     <p:spTree>
       <p:nvGrpSpPr>
@@ -9523,7 +9523,7 @@
 </file>
 
 <file path=ppt/slideLayouts/slideLayout9.xml><?xml version="1.0" encoding="utf-8"?>
-<p:sldLayout xmlns:a="http://schemas.openxmlformats.org/drawingml/2006/main" xmlns:r="http://schemas.openxmlformats.org/officeDocument/2006/relationships" xmlns:mc="http://schemas.openxmlformats.org/markup-compatibility/2006" xmlns:mv="urn:schemas-microsoft-com:mac:vml" xmlns:p="http://schemas.openxmlformats.org/presentationml/2006/main" xmlns:c="http://schemas.openxmlformats.org/drawingml/2006/chart" xmlns:dgm="http://schemas.openxmlformats.org/drawingml/2006/diagram" xmlns:o="urn:schemas-microsoft-com:office:office" xmlns:v="urn:schemas-microsoft-com:vml" xmlns:pvml="urn:schemas-microsoft-com:office:powerpoint" xmlns:com="http://schemas.openxmlformats.org/drawingml/2006/compatibility" xmlns:p14="http://schemas.microsoft.com/office/powerpoint/2010/main" xmlns:p15="http://schemas.microsoft.com/office/powerpoint/2012/main" matchingName="Picture with Caption" type="picTx">
+<p:sldLayout xmlns:a="http://schemas.openxmlformats.org/drawingml/2006/main" xmlns:r="http://schemas.openxmlformats.org/officeDocument/2006/relationships" xmlns:mc="http://schemas.openxmlformats.org/markup-compatibility/2006" xmlns:mv="urn:schemas-microsoft-com:mac:vml" xmlns:p="http://schemas.openxmlformats.org/presentationml/2006/main" xmlns:c="http://schemas.openxmlformats.org/drawingml/2006/chart" xmlns:dgm="http://schemas.openxmlformats.org/drawingml/2006/diagram" xmlns:o="urn:schemas-microsoft-com:office:office" xmlns:v="urn:schemas-microsoft-com:vml" xmlns:pvml="urn:schemas-microsoft-com:office:powerpoint" xmlns:com="http://schemas.openxmlformats.org/drawingml/2006/compatibility" xmlns:p14="http://schemas.microsoft.com/office/powerpoint/2010/main" xmlns:p15="http://schemas.microsoft.com/office/powerpoint/2012/main" xmlns:ahyp="http://schemas.microsoft.com/office/drawing/2018/hyperlinkcolor" matchingName="Picture with Caption" type="picTx">
   <p:cSld name="PICTURE_WITH_CAPTION_TEXT">
     <p:spTree>
       <p:nvGrpSpPr>
@@ -10440,7 +10440,7 @@
 </file>
 
 <file path=ppt/slideMasters/slideMaster1.xml><?xml version="1.0" encoding="utf-8"?>
-<p:sldMaster xmlns:a="http://schemas.openxmlformats.org/drawingml/2006/main" xmlns:r="http://schemas.openxmlformats.org/officeDocument/2006/relationships" xmlns:mc="http://schemas.openxmlformats.org/markup-compatibility/2006" xmlns:mv="urn:schemas-microsoft-com:mac:vml" xmlns:p="http://schemas.openxmlformats.org/presentationml/2006/main" xmlns:c="http://schemas.openxmlformats.org/drawingml/2006/chart" xmlns:dgm="http://schemas.openxmlformats.org/drawingml/2006/diagram" xmlns:o="urn:schemas-microsoft-com:office:office" xmlns:v="urn:schemas-microsoft-com:vml" xmlns:pvml="urn:schemas-microsoft-com:office:powerpoint" xmlns:com="http://schemas.openxmlformats.org/drawingml/2006/compatibility" xmlns:p14="http://schemas.microsoft.com/office/powerpoint/2010/main" xmlns:p15="http://schemas.microsoft.com/office/powerpoint/2012/main">
+<p:sldMaster xmlns:a="http://schemas.openxmlformats.org/drawingml/2006/main" xmlns:r="http://schemas.openxmlformats.org/officeDocument/2006/relationships" xmlns:mc="http://schemas.openxmlformats.org/markup-compatibility/2006" xmlns:mv="urn:schemas-microsoft-com:mac:vml" xmlns:p="http://schemas.openxmlformats.org/presentationml/2006/main" xmlns:c="http://schemas.openxmlformats.org/drawingml/2006/chart" xmlns:dgm="http://schemas.openxmlformats.org/drawingml/2006/diagram" xmlns:o="urn:schemas-microsoft-com:office:office" xmlns:v="urn:schemas-microsoft-com:vml" xmlns:pvml="urn:schemas-microsoft-com:office:powerpoint" xmlns:com="http://schemas.openxmlformats.org/drawingml/2006/compatibility" xmlns:p14="http://schemas.microsoft.com/office/powerpoint/2010/main" xmlns:p15="http://schemas.microsoft.com/office/powerpoint/2012/main" xmlns:ahyp="http://schemas.microsoft.com/office/drawing/2018/hyperlinkcolor">
   <p:cSld>
     <p:bg>
       <p:bgPr>
@@ -12133,7 +12133,7 @@
 </file>
 
 <file path=ppt/slides/slide1.xml><?xml version="1.0" encoding="utf-8"?>
-<p:sld xmlns:a="http://schemas.openxmlformats.org/drawingml/2006/main" xmlns:r="http://schemas.openxmlformats.org/officeDocument/2006/relationships" xmlns:mc="http://schemas.openxmlformats.org/markup-compatibility/2006" xmlns:mv="urn:schemas-microsoft-com:mac:vml" xmlns:p="http://schemas.openxmlformats.org/presentationml/2006/main" xmlns:c="http://schemas.openxmlformats.org/drawingml/2006/chart" xmlns:dgm="http://schemas.openxmlformats.org/drawingml/2006/diagram" xmlns:o="urn:schemas-microsoft-com:office:office" xmlns:v="urn:schemas-microsoft-com:vml" xmlns:pvml="urn:schemas-microsoft-com:office:powerpoint" xmlns:com="http://schemas.openxmlformats.org/drawingml/2006/compatibility" xmlns:p14="http://schemas.microsoft.com/office/powerpoint/2010/main" xmlns:p15="http://schemas.microsoft.com/office/powerpoint/2012/main">
+<p:sld xmlns:a="http://schemas.openxmlformats.org/drawingml/2006/main" xmlns:r="http://schemas.openxmlformats.org/officeDocument/2006/relationships" xmlns:mc="http://schemas.openxmlformats.org/markup-compatibility/2006" xmlns:mv="urn:schemas-microsoft-com:mac:vml" xmlns:p="http://schemas.openxmlformats.org/presentationml/2006/main" xmlns:c="http://schemas.openxmlformats.org/drawingml/2006/chart" xmlns:dgm="http://schemas.openxmlformats.org/drawingml/2006/diagram" xmlns:o="urn:schemas-microsoft-com:office:office" xmlns:v="urn:schemas-microsoft-com:vml" xmlns:pvml="urn:schemas-microsoft-com:office:powerpoint" xmlns:com="http://schemas.openxmlformats.org/drawingml/2006/compatibility" xmlns:p14="http://schemas.microsoft.com/office/powerpoint/2010/main" xmlns:p15="http://schemas.microsoft.com/office/powerpoint/2012/main" xmlns:ahyp="http://schemas.microsoft.com/office/drawing/2018/hyperlinkcolor">
   <p:cSld>
     <p:bg>
       <p:bgPr>
@@ -12864,7 +12864,7 @@
 </file>
 
 <file path=ppt/slides/slide10.xml><?xml version="1.0" encoding="utf-8"?>
-<p:sld xmlns:a="http://schemas.openxmlformats.org/drawingml/2006/main" xmlns:r="http://schemas.openxmlformats.org/officeDocument/2006/relationships" xmlns:mc="http://schemas.openxmlformats.org/markup-compatibility/2006" xmlns:mv="urn:schemas-microsoft-com:mac:vml" xmlns:p="http://schemas.openxmlformats.org/presentationml/2006/main" xmlns:c="http://schemas.openxmlformats.org/drawingml/2006/chart" xmlns:dgm="http://schemas.openxmlformats.org/drawingml/2006/diagram" xmlns:o="urn:schemas-microsoft-com:office:office" xmlns:v="urn:schemas-microsoft-com:vml" xmlns:pvml="urn:schemas-microsoft-com:office:powerpoint" xmlns:com="http://schemas.openxmlformats.org/drawingml/2006/compatibility" xmlns:p14="http://schemas.microsoft.com/office/powerpoint/2010/main" xmlns:p15="http://schemas.microsoft.com/office/powerpoint/2012/main">
+<p:sld xmlns:a="http://schemas.openxmlformats.org/drawingml/2006/main" xmlns:r="http://schemas.openxmlformats.org/officeDocument/2006/relationships" xmlns:mc="http://schemas.openxmlformats.org/markup-compatibility/2006" xmlns:mv="urn:schemas-microsoft-com:mac:vml" xmlns:p="http://schemas.openxmlformats.org/presentationml/2006/main" xmlns:c="http://schemas.openxmlformats.org/drawingml/2006/chart" xmlns:dgm="http://schemas.openxmlformats.org/drawingml/2006/diagram" xmlns:o="urn:schemas-microsoft-com:office:office" xmlns:v="urn:schemas-microsoft-com:vml" xmlns:pvml="urn:schemas-microsoft-com:office:powerpoint" xmlns:com="http://schemas.openxmlformats.org/drawingml/2006/compatibility" xmlns:p14="http://schemas.microsoft.com/office/powerpoint/2010/main" xmlns:p15="http://schemas.microsoft.com/office/powerpoint/2012/main" xmlns:ahyp="http://schemas.microsoft.com/office/drawing/2018/hyperlinkcolor">
   <p:cSld>
     <p:bg>
       <p:bgPr>
@@ -13639,7 +13639,7 @@
 </file>
 
 <file path=ppt/slides/slide11.xml><?xml version="1.0" encoding="utf-8"?>
-<p:sld xmlns:a="http://schemas.openxmlformats.org/drawingml/2006/main" xmlns:r="http://schemas.openxmlformats.org/officeDocument/2006/relationships" xmlns:mc="http://schemas.openxmlformats.org/markup-compatibility/2006" xmlns:mv="urn:schemas-microsoft-com:mac:vml" xmlns:p="http://schemas.openxmlformats.org/presentationml/2006/main" xmlns:c="http://schemas.openxmlformats.org/drawingml/2006/chart" xmlns:dgm="http://schemas.openxmlformats.org/drawingml/2006/diagram" xmlns:o="urn:schemas-microsoft-com:office:office" xmlns:v="urn:schemas-microsoft-com:vml" xmlns:pvml="urn:schemas-microsoft-com:office:powerpoint" xmlns:com="http://schemas.openxmlformats.org/drawingml/2006/compatibility" xmlns:p14="http://schemas.microsoft.com/office/powerpoint/2010/main" xmlns:p15="http://schemas.microsoft.com/office/powerpoint/2012/main">
+<p:sld xmlns:a="http://schemas.openxmlformats.org/drawingml/2006/main" xmlns:r="http://schemas.openxmlformats.org/officeDocument/2006/relationships" xmlns:mc="http://schemas.openxmlformats.org/markup-compatibility/2006" xmlns:mv="urn:schemas-microsoft-com:mac:vml" xmlns:p="http://schemas.openxmlformats.org/presentationml/2006/main" xmlns:c="http://schemas.openxmlformats.org/drawingml/2006/chart" xmlns:dgm="http://schemas.openxmlformats.org/drawingml/2006/diagram" xmlns:o="urn:schemas-microsoft-com:office:office" xmlns:v="urn:schemas-microsoft-com:vml" xmlns:pvml="urn:schemas-microsoft-com:office:powerpoint" xmlns:com="http://schemas.openxmlformats.org/drawingml/2006/compatibility" xmlns:p14="http://schemas.microsoft.com/office/powerpoint/2010/main" xmlns:p15="http://schemas.microsoft.com/office/powerpoint/2012/main" xmlns:ahyp="http://schemas.microsoft.com/office/drawing/2018/hyperlinkcolor">
   <p:cSld>
     <p:bg>
       <p:bgPr>
@@ -14349,7 +14349,7 @@
 </file>
 
 <file path=ppt/slides/slide12.xml><?xml version="1.0" encoding="utf-8"?>
-<p:sld xmlns:a="http://schemas.openxmlformats.org/drawingml/2006/main" xmlns:r="http://schemas.openxmlformats.org/officeDocument/2006/relationships" xmlns:mc="http://schemas.openxmlformats.org/markup-compatibility/2006" xmlns:mv="urn:schemas-microsoft-com:mac:vml" xmlns:p="http://schemas.openxmlformats.org/presentationml/2006/main" xmlns:c="http://schemas.openxmlformats.org/drawingml/2006/chart" xmlns:dgm="http://schemas.openxmlformats.org/drawingml/2006/diagram" xmlns:o="urn:schemas-microsoft-com:office:office" xmlns:v="urn:schemas-microsoft-com:vml" xmlns:pvml="urn:schemas-microsoft-com:office:powerpoint" xmlns:com="http://schemas.openxmlformats.org/drawingml/2006/compatibility" xmlns:p14="http://schemas.microsoft.com/office/powerpoint/2010/main" xmlns:p15="http://schemas.microsoft.com/office/powerpoint/2012/main">
+<p:sld xmlns:a="http://schemas.openxmlformats.org/drawingml/2006/main" xmlns:r="http://schemas.openxmlformats.org/officeDocument/2006/relationships" xmlns:mc="http://schemas.openxmlformats.org/markup-compatibility/2006" xmlns:mv="urn:schemas-microsoft-com:mac:vml" xmlns:p="http://schemas.openxmlformats.org/presentationml/2006/main" xmlns:c="http://schemas.openxmlformats.org/drawingml/2006/chart" xmlns:dgm="http://schemas.openxmlformats.org/drawingml/2006/diagram" xmlns:o="urn:schemas-microsoft-com:office:office" xmlns:v="urn:schemas-microsoft-com:vml" xmlns:pvml="urn:schemas-microsoft-com:office:powerpoint" xmlns:com="http://schemas.openxmlformats.org/drawingml/2006/compatibility" xmlns:p14="http://schemas.microsoft.com/office/powerpoint/2010/main" xmlns:p15="http://schemas.microsoft.com/office/powerpoint/2012/main" xmlns:ahyp="http://schemas.microsoft.com/office/drawing/2018/hyperlinkcolor">
   <p:cSld>
     <p:bg>
       <p:bgPr>
@@ -15922,7 +15922,7 @@
 </file>
 
 <file path=ppt/slides/slide13.xml><?xml version="1.0" encoding="utf-8"?>
-<p:sld xmlns:a="http://schemas.openxmlformats.org/drawingml/2006/main" xmlns:r="http://schemas.openxmlformats.org/officeDocument/2006/relationships" xmlns:mc="http://schemas.openxmlformats.org/markup-compatibility/2006" xmlns:mv="urn:schemas-microsoft-com:mac:vml" xmlns:p="http://schemas.openxmlformats.org/presentationml/2006/main" xmlns:c="http://schemas.openxmlformats.org/drawingml/2006/chart" xmlns:dgm="http://schemas.openxmlformats.org/drawingml/2006/diagram" xmlns:o="urn:schemas-microsoft-com:office:office" xmlns:v="urn:schemas-microsoft-com:vml" xmlns:pvml="urn:schemas-microsoft-com:office:powerpoint" xmlns:com="http://schemas.openxmlformats.org/drawingml/2006/compatibility" xmlns:p14="http://schemas.microsoft.com/office/powerpoint/2010/main" xmlns:p15="http://schemas.microsoft.com/office/powerpoint/2012/main">
+<p:sld xmlns:a="http://schemas.openxmlformats.org/drawingml/2006/main" xmlns:r="http://schemas.openxmlformats.org/officeDocument/2006/relationships" xmlns:mc="http://schemas.openxmlformats.org/markup-compatibility/2006" xmlns:mv="urn:schemas-microsoft-com:mac:vml" xmlns:p="http://schemas.openxmlformats.org/presentationml/2006/main" xmlns:c="http://schemas.openxmlformats.org/drawingml/2006/chart" xmlns:dgm="http://schemas.openxmlformats.org/drawingml/2006/diagram" xmlns:o="urn:schemas-microsoft-com:office:office" xmlns:v="urn:schemas-microsoft-com:vml" xmlns:pvml="urn:schemas-microsoft-com:office:powerpoint" xmlns:com="http://schemas.openxmlformats.org/drawingml/2006/compatibility" xmlns:p14="http://schemas.microsoft.com/office/powerpoint/2010/main" xmlns:p15="http://schemas.microsoft.com/office/powerpoint/2012/main" xmlns:ahyp="http://schemas.microsoft.com/office/drawing/2018/hyperlinkcolor">
   <p:cSld>
     <p:bg>
       <p:bgPr>
@@ -16870,7 +16870,7 @@
 </file>
 
 <file path=ppt/slides/slide14.xml><?xml version="1.0" encoding="utf-8"?>
-<p:sld xmlns:a="http://schemas.openxmlformats.org/drawingml/2006/main" xmlns:r="http://schemas.openxmlformats.org/officeDocument/2006/relationships" xmlns:mc="http://schemas.openxmlformats.org/markup-compatibility/2006" xmlns:mv="urn:schemas-microsoft-com:mac:vml" xmlns:p="http://schemas.openxmlformats.org/presentationml/2006/main" xmlns:c="http://schemas.openxmlformats.org/drawingml/2006/chart" xmlns:dgm="http://schemas.openxmlformats.org/drawingml/2006/diagram" xmlns:o="urn:schemas-microsoft-com:office:office" xmlns:v="urn:schemas-microsoft-com:vml" xmlns:pvml="urn:schemas-microsoft-com:office:powerpoint" xmlns:com="http://schemas.openxmlformats.org/drawingml/2006/compatibility" xmlns:p14="http://schemas.microsoft.com/office/powerpoint/2010/main" xmlns:p15="http://schemas.microsoft.com/office/powerpoint/2012/main">
+<p:sld xmlns:a="http://schemas.openxmlformats.org/drawingml/2006/main" xmlns:r="http://schemas.openxmlformats.org/officeDocument/2006/relationships" xmlns:mc="http://schemas.openxmlformats.org/markup-compatibility/2006" xmlns:mv="urn:schemas-microsoft-com:mac:vml" xmlns:p="http://schemas.openxmlformats.org/presentationml/2006/main" xmlns:c="http://schemas.openxmlformats.org/drawingml/2006/chart" xmlns:dgm="http://schemas.openxmlformats.org/drawingml/2006/diagram" xmlns:o="urn:schemas-microsoft-com:office:office" xmlns:v="urn:schemas-microsoft-com:vml" xmlns:pvml="urn:schemas-microsoft-com:office:powerpoint" xmlns:com="http://schemas.openxmlformats.org/drawingml/2006/compatibility" xmlns:p14="http://schemas.microsoft.com/office/powerpoint/2010/main" xmlns:p15="http://schemas.microsoft.com/office/powerpoint/2012/main" xmlns:ahyp="http://schemas.microsoft.com/office/drawing/2018/hyperlinkcolor">
   <p:cSld>
     <p:bg>
       <p:bgPr>
@@ -20912,7 +20912,7 @@
 </file>
 
 <file path=ppt/slides/slide15.xml><?xml version="1.0" encoding="utf-8"?>
-<p:sld xmlns:a="http://schemas.openxmlformats.org/drawingml/2006/main" xmlns:r="http://schemas.openxmlformats.org/officeDocument/2006/relationships" xmlns:mc="http://schemas.openxmlformats.org/markup-compatibility/2006" xmlns:mv="urn:schemas-microsoft-com:mac:vml" xmlns:p="http://schemas.openxmlformats.org/presentationml/2006/main" xmlns:c="http://schemas.openxmlformats.org/drawingml/2006/chart" xmlns:dgm="http://schemas.openxmlformats.org/drawingml/2006/diagram" xmlns:o="urn:schemas-microsoft-com:office:office" xmlns:v="urn:schemas-microsoft-com:vml" xmlns:pvml="urn:schemas-microsoft-com:office:powerpoint" xmlns:com="http://schemas.openxmlformats.org/drawingml/2006/compatibility" xmlns:p14="http://schemas.microsoft.com/office/powerpoint/2010/main" xmlns:p15="http://schemas.microsoft.com/office/powerpoint/2012/main">
+<p:sld xmlns:a="http://schemas.openxmlformats.org/drawingml/2006/main" xmlns:r="http://schemas.openxmlformats.org/officeDocument/2006/relationships" xmlns:mc="http://schemas.openxmlformats.org/markup-compatibility/2006" xmlns:mv="urn:schemas-microsoft-com:mac:vml" xmlns:p="http://schemas.openxmlformats.org/presentationml/2006/main" xmlns:c="http://schemas.openxmlformats.org/drawingml/2006/chart" xmlns:dgm="http://schemas.openxmlformats.org/drawingml/2006/diagram" xmlns:o="urn:schemas-microsoft-com:office:office" xmlns:v="urn:schemas-microsoft-com:vml" xmlns:pvml="urn:schemas-microsoft-com:office:powerpoint" xmlns:com="http://schemas.openxmlformats.org/drawingml/2006/compatibility" xmlns:p14="http://schemas.microsoft.com/office/powerpoint/2010/main" xmlns:p15="http://schemas.microsoft.com/office/powerpoint/2012/main" xmlns:ahyp="http://schemas.microsoft.com/office/drawing/2018/hyperlinkcolor">
   <p:cSld>
     <p:bg>
       <p:bgPr>
@@ -21566,7 +21566,7 @@
 </file>
 
 <file path=ppt/slides/slide16.xml><?xml version="1.0" encoding="utf-8"?>
-<p:sld xmlns:a="http://schemas.openxmlformats.org/drawingml/2006/main" xmlns:r="http://schemas.openxmlformats.org/officeDocument/2006/relationships" xmlns:mc="http://schemas.openxmlformats.org/markup-compatibility/2006" xmlns:mv="urn:schemas-microsoft-com:mac:vml" xmlns:p="http://schemas.openxmlformats.org/presentationml/2006/main" xmlns:c="http://schemas.openxmlformats.org/drawingml/2006/chart" xmlns:dgm="http://schemas.openxmlformats.org/drawingml/2006/diagram" xmlns:o="urn:schemas-microsoft-com:office:office" xmlns:v="urn:schemas-microsoft-com:vml" xmlns:pvml="urn:schemas-microsoft-com:office:powerpoint" xmlns:com="http://schemas.openxmlformats.org/drawingml/2006/compatibility" xmlns:p14="http://schemas.microsoft.com/office/powerpoint/2010/main" xmlns:p15="http://schemas.microsoft.com/office/powerpoint/2012/main">
+<p:sld xmlns:a="http://schemas.openxmlformats.org/drawingml/2006/main" xmlns:r="http://schemas.openxmlformats.org/officeDocument/2006/relationships" xmlns:mc="http://schemas.openxmlformats.org/markup-compatibility/2006" xmlns:mv="urn:schemas-microsoft-com:mac:vml" xmlns:p="http://schemas.openxmlformats.org/presentationml/2006/main" xmlns:c="http://schemas.openxmlformats.org/drawingml/2006/chart" xmlns:dgm="http://schemas.openxmlformats.org/drawingml/2006/diagram" xmlns:o="urn:schemas-microsoft-com:office:office" xmlns:v="urn:schemas-microsoft-com:vml" xmlns:pvml="urn:schemas-microsoft-com:office:powerpoint" xmlns:com="http://schemas.openxmlformats.org/drawingml/2006/compatibility" xmlns:p14="http://schemas.microsoft.com/office/powerpoint/2010/main" xmlns:p15="http://schemas.microsoft.com/office/powerpoint/2012/main" xmlns:ahyp="http://schemas.microsoft.com/office/drawing/2018/hyperlinkcolor">
   <p:cSld>
     <p:bg>
       <p:bgPr>
@@ -21818,7 +21818,7 @@
         <p:spPr>
           <a:xfrm>
             <a:off x="2391275" y="3248525"/>
-            <a:ext cx="13319100" cy="5141700"/>
+            <a:ext cx="13319100" cy="6235800"/>
           </a:xfrm>
           <a:prstGeom prst="rect">
             <a:avLst/>
@@ -21841,6 +21841,9 @@
               <a:spcAft>
                 <a:spcPts val="0"/>
               </a:spcAft>
+              <a:buClr>
+                <a:srgbClr val="F3F3F3"/>
+              </a:buClr>
               <a:buSzPts val="3600"/>
               <a:buFont typeface="Calibri"/>
               <a:buChar char="●"/>
@@ -21855,7 +21858,20 @@
                 <a:cs typeface="Calibri"/>
                 <a:sym typeface="Calibri"/>
               </a:rPr>
-              <a:t>Github link : https://github.com/iffyaiyan/predictive_algo</a:t>
+              <a:t>Github link : </a:t>
+            </a:r>
+            <a:r>
+              <a:rPr lang="en-US" sz="3600" u="sng">
+                <a:solidFill>
+                  <a:schemeClr val="hlink"/>
+                </a:solidFill>
+                <a:latin typeface="Calibri"/>
+                <a:ea typeface="Calibri"/>
+                <a:cs typeface="Calibri"/>
+                <a:sym typeface="Calibri"/>
+                <a:hlinkClick r:id="rId4"/>
+              </a:rPr>
+              <a:t>https://github.com/iffyaiyan/predictive_algo</a:t>
             </a:r>
             <a:endParaRPr sz="3600">
               <a:latin typeface="Calibri"/>
@@ -21872,6 +21888,9 @@
               <a:spcAft>
                 <a:spcPts val="0"/>
               </a:spcAft>
+              <a:buClr>
+                <a:srgbClr val="F3F3F3"/>
+              </a:buClr>
               <a:buSzPts val="3600"/>
               <a:buFont typeface="Calibri"/>
               <a:buChar char="●"/>
@@ -21891,17 +21910,167 @@
             <a:r>
               <a:rPr lang="en-US" sz="3600" u="sng">
                 <a:solidFill>
+                  <a:srgbClr val="F3F3F3"/>
+                </a:solidFill>
+                <a:latin typeface="Calibri"/>
+                <a:ea typeface="Calibri"/>
+                <a:cs typeface="Calibri"/>
+                <a:sym typeface="Calibri"/>
+                <a:hlinkClick r:id="rId5"/>
+              </a:rPr>
+              <a:t>https://www.youtube.com/watch?v=z0XIHs87Zws&amp;feature=youtu.be</a:t>
+            </a:r>
+            <a:endParaRPr sz="3600">
+              <a:solidFill>
+                <a:srgbClr val="F3F3F3"/>
+              </a:solidFill>
+              <a:latin typeface="Calibri"/>
+              <a:ea typeface="Calibri"/>
+              <a:cs typeface="Calibri"/>
+              <a:sym typeface="Calibri"/>
+            </a:endParaRPr>
+          </a:p>
+          <a:p>
+            <a:pPr indent="-457200" lvl="0" marL="457200" rtl="0" algn="l">
+              <a:spcBef>
+                <a:spcPts val="0"/>
+              </a:spcBef>
+              <a:spcAft>
+                <a:spcPts val="0"/>
+              </a:spcAft>
+              <a:buClr>
+                <a:srgbClr val="F3F3F3"/>
+              </a:buClr>
+              <a:buSzPts val="3600"/>
+              <a:buFont typeface="Calibri"/>
+              <a:buChar char="●"/>
+            </a:pPr>
+            <a:r>
+              <a:rPr lang="en-US" sz="3600">
+                <a:solidFill>
+                  <a:srgbClr val="F3F3F3"/>
+                </a:solidFill>
+                <a:latin typeface="Calibri"/>
+                <a:ea typeface="Calibri"/>
+                <a:cs typeface="Calibri"/>
+                <a:sym typeface="Calibri"/>
+              </a:rPr>
+              <a:t>Oracle link : </a:t>
+            </a:r>
+            <a:r>
+              <a:rPr lang="en-US" sz="3600" u="sng">
+                <a:solidFill>
                   <a:schemeClr val="hlink"/>
                 </a:solidFill>
                 <a:latin typeface="Calibri"/>
                 <a:ea typeface="Calibri"/>
                 <a:cs typeface="Calibri"/>
                 <a:sym typeface="Calibri"/>
-                <a:hlinkClick r:id="rId4"/>
+                <a:hlinkClick r:id="rId6"/>
               </a:rPr>
-              <a:t>https://www.youtube.com/watch?v=z0XIHs87Zws&amp;feature=youtu.be</a:t>
+              <a:t>https://apex.oracle.com/pls/apex/buildwithai/r/us-covid19/us-covid19-report?session=103878657963762</a:t>
             </a:r>
             <a:endParaRPr sz="3600">
+              <a:solidFill>
+                <a:srgbClr val="F3F3F3"/>
+              </a:solidFill>
+              <a:latin typeface="Calibri"/>
+              <a:ea typeface="Calibri"/>
+              <a:cs typeface="Calibri"/>
+              <a:sym typeface="Calibri"/>
+            </a:endParaRPr>
+          </a:p>
+          <a:p>
+            <a:pPr indent="-457200" lvl="1" marL="914400" rtl="0" algn="l">
+              <a:spcBef>
+                <a:spcPts val="0"/>
+              </a:spcBef>
+              <a:spcAft>
+                <a:spcPts val="0"/>
+              </a:spcAft>
+              <a:buClr>
+                <a:srgbClr val="F3F3F3"/>
+              </a:buClr>
+              <a:buSzPts val="3600"/>
+              <a:buFont typeface="Calibri"/>
+              <a:buChar char="○"/>
+            </a:pPr>
+            <a:r>
+              <a:rPr lang="en-US" sz="3600">
+                <a:solidFill>
+                  <a:srgbClr val="F3F3F3"/>
+                </a:solidFill>
+                <a:latin typeface="Calibri"/>
+                <a:ea typeface="Calibri"/>
+                <a:cs typeface="Calibri"/>
+                <a:sym typeface="Calibri"/>
+              </a:rPr>
+              <a:t>Username : dummy</a:t>
+            </a:r>
+            <a:endParaRPr sz="3600">
+              <a:solidFill>
+                <a:srgbClr val="F3F3F3"/>
+              </a:solidFill>
+              <a:latin typeface="Calibri"/>
+              <a:ea typeface="Calibri"/>
+              <a:cs typeface="Calibri"/>
+              <a:sym typeface="Calibri"/>
+            </a:endParaRPr>
+          </a:p>
+          <a:p>
+            <a:pPr indent="-457200" lvl="1" marL="914400" rtl="0" algn="l">
+              <a:spcBef>
+                <a:spcPts val="0"/>
+              </a:spcBef>
+              <a:spcAft>
+                <a:spcPts val="0"/>
+              </a:spcAft>
+              <a:buClr>
+                <a:srgbClr val="F3F3F3"/>
+              </a:buClr>
+              <a:buSzPts val="3600"/>
+              <a:buFont typeface="Calibri"/>
+              <a:buChar char="○"/>
+            </a:pPr>
+            <a:r>
+              <a:rPr lang="en-US" sz="3600">
+                <a:solidFill>
+                  <a:srgbClr val="F3F3F3"/>
+                </a:solidFill>
+                <a:latin typeface="Calibri"/>
+                <a:ea typeface="Calibri"/>
+                <a:cs typeface="Calibri"/>
+                <a:sym typeface="Calibri"/>
+              </a:rPr>
+              <a:t>Password : buildwithai123</a:t>
+            </a:r>
+            <a:endParaRPr sz="3600">
+              <a:solidFill>
+                <a:srgbClr val="F3F3F3"/>
+              </a:solidFill>
+              <a:latin typeface="Calibri"/>
+              <a:ea typeface="Calibri"/>
+              <a:cs typeface="Calibri"/>
+              <a:sym typeface="Calibri"/>
+            </a:endParaRPr>
+          </a:p>
+          <a:p>
+            <a:pPr indent="0" lvl="0" marL="457200" rtl="0" algn="l">
+              <a:spcBef>
+                <a:spcPts val="0"/>
+              </a:spcBef>
+              <a:spcAft>
+                <a:spcPts val="0"/>
+              </a:spcAft>
+              <a:buNone/>
+            </a:pPr>
+            <a:r>
+              <a:t/>
+            </a:r>
+            <a:endParaRPr sz="3600">
+              <a:solidFill>
+                <a:srgbClr val="F3F3F3"/>
+              </a:solidFill>
               <a:latin typeface="Calibri"/>
               <a:ea typeface="Calibri"/>
               <a:cs typeface="Calibri"/>
@@ -21919,7 +22088,7 @@
 </file>
 
 <file path=ppt/slides/slide2.xml><?xml version="1.0" encoding="utf-8"?>
-<p:sld xmlns:a="http://schemas.openxmlformats.org/drawingml/2006/main" xmlns:r="http://schemas.openxmlformats.org/officeDocument/2006/relationships" xmlns:mc="http://schemas.openxmlformats.org/markup-compatibility/2006" xmlns:mv="urn:schemas-microsoft-com:mac:vml" xmlns:p="http://schemas.openxmlformats.org/presentationml/2006/main" xmlns:c="http://schemas.openxmlformats.org/drawingml/2006/chart" xmlns:dgm="http://schemas.openxmlformats.org/drawingml/2006/diagram" xmlns:o="urn:schemas-microsoft-com:office:office" xmlns:v="urn:schemas-microsoft-com:vml" xmlns:pvml="urn:schemas-microsoft-com:office:powerpoint" xmlns:com="http://schemas.openxmlformats.org/drawingml/2006/compatibility" xmlns:p14="http://schemas.microsoft.com/office/powerpoint/2010/main" xmlns:p15="http://schemas.microsoft.com/office/powerpoint/2012/main">
+<p:sld xmlns:a="http://schemas.openxmlformats.org/drawingml/2006/main" xmlns:r="http://schemas.openxmlformats.org/officeDocument/2006/relationships" xmlns:mc="http://schemas.openxmlformats.org/markup-compatibility/2006" xmlns:mv="urn:schemas-microsoft-com:mac:vml" xmlns:p="http://schemas.openxmlformats.org/presentationml/2006/main" xmlns:c="http://schemas.openxmlformats.org/drawingml/2006/chart" xmlns:dgm="http://schemas.openxmlformats.org/drawingml/2006/diagram" xmlns:o="urn:schemas-microsoft-com:office:office" xmlns:v="urn:schemas-microsoft-com:vml" xmlns:pvml="urn:schemas-microsoft-com:office:powerpoint" xmlns:com="http://schemas.openxmlformats.org/drawingml/2006/compatibility" xmlns:p14="http://schemas.microsoft.com/office/powerpoint/2010/main" xmlns:p15="http://schemas.microsoft.com/office/powerpoint/2012/main" xmlns:ahyp="http://schemas.microsoft.com/office/drawing/2018/hyperlinkcolor">
   <p:cSld>
     <p:bg>
       <p:bgPr>
@@ -22406,7 +22575,7 @@
 </file>
 
 <file path=ppt/slides/slide3.xml><?xml version="1.0" encoding="utf-8"?>
-<p:sld xmlns:a="http://schemas.openxmlformats.org/drawingml/2006/main" xmlns:r="http://schemas.openxmlformats.org/officeDocument/2006/relationships" xmlns:mc="http://schemas.openxmlformats.org/markup-compatibility/2006" xmlns:mv="urn:schemas-microsoft-com:mac:vml" xmlns:p="http://schemas.openxmlformats.org/presentationml/2006/main" xmlns:c="http://schemas.openxmlformats.org/drawingml/2006/chart" xmlns:dgm="http://schemas.openxmlformats.org/drawingml/2006/diagram" xmlns:o="urn:schemas-microsoft-com:office:office" xmlns:v="urn:schemas-microsoft-com:vml" xmlns:pvml="urn:schemas-microsoft-com:office:powerpoint" xmlns:com="http://schemas.openxmlformats.org/drawingml/2006/compatibility" xmlns:p14="http://schemas.microsoft.com/office/powerpoint/2010/main" xmlns:p15="http://schemas.microsoft.com/office/powerpoint/2012/main">
+<p:sld xmlns:a="http://schemas.openxmlformats.org/drawingml/2006/main" xmlns:r="http://schemas.openxmlformats.org/officeDocument/2006/relationships" xmlns:mc="http://schemas.openxmlformats.org/markup-compatibility/2006" xmlns:mv="urn:schemas-microsoft-com:mac:vml" xmlns:p="http://schemas.openxmlformats.org/presentationml/2006/main" xmlns:c="http://schemas.openxmlformats.org/drawingml/2006/chart" xmlns:dgm="http://schemas.openxmlformats.org/drawingml/2006/diagram" xmlns:o="urn:schemas-microsoft-com:office:office" xmlns:v="urn:schemas-microsoft-com:vml" xmlns:pvml="urn:schemas-microsoft-com:office:powerpoint" xmlns:com="http://schemas.openxmlformats.org/drawingml/2006/compatibility" xmlns:p14="http://schemas.microsoft.com/office/powerpoint/2010/main" xmlns:p15="http://schemas.microsoft.com/office/powerpoint/2012/main" xmlns:ahyp="http://schemas.microsoft.com/office/drawing/2018/hyperlinkcolor">
   <p:cSld>
     <p:bg>
       <p:bgPr>
@@ -23467,7 +23636,7 @@
 </file>
 
 <file path=ppt/slides/slide4.xml><?xml version="1.0" encoding="utf-8"?>
-<p:sld xmlns:a="http://schemas.openxmlformats.org/drawingml/2006/main" xmlns:r="http://schemas.openxmlformats.org/officeDocument/2006/relationships" xmlns:mc="http://schemas.openxmlformats.org/markup-compatibility/2006" xmlns:mv="urn:schemas-microsoft-com:mac:vml" xmlns:p="http://schemas.openxmlformats.org/presentationml/2006/main" xmlns:c="http://schemas.openxmlformats.org/drawingml/2006/chart" xmlns:dgm="http://schemas.openxmlformats.org/drawingml/2006/diagram" xmlns:o="urn:schemas-microsoft-com:office:office" xmlns:v="urn:schemas-microsoft-com:vml" xmlns:pvml="urn:schemas-microsoft-com:office:powerpoint" xmlns:com="http://schemas.openxmlformats.org/drawingml/2006/compatibility" xmlns:p14="http://schemas.microsoft.com/office/powerpoint/2010/main" xmlns:p15="http://schemas.microsoft.com/office/powerpoint/2012/main">
+<p:sld xmlns:a="http://schemas.openxmlformats.org/drawingml/2006/main" xmlns:r="http://schemas.openxmlformats.org/officeDocument/2006/relationships" xmlns:mc="http://schemas.openxmlformats.org/markup-compatibility/2006" xmlns:mv="urn:schemas-microsoft-com:mac:vml" xmlns:p="http://schemas.openxmlformats.org/presentationml/2006/main" xmlns:c="http://schemas.openxmlformats.org/drawingml/2006/chart" xmlns:dgm="http://schemas.openxmlformats.org/drawingml/2006/diagram" xmlns:o="urn:schemas-microsoft-com:office:office" xmlns:v="urn:schemas-microsoft-com:vml" xmlns:pvml="urn:schemas-microsoft-com:office:powerpoint" xmlns:com="http://schemas.openxmlformats.org/drawingml/2006/compatibility" xmlns:p14="http://schemas.microsoft.com/office/powerpoint/2010/main" xmlns:p15="http://schemas.microsoft.com/office/powerpoint/2012/main" xmlns:ahyp="http://schemas.microsoft.com/office/drawing/2018/hyperlinkcolor">
   <p:cSld>
     <p:bg>
       <p:bgPr>
@@ -24135,7 +24304,7 @@
 </file>
 
 <file path=ppt/slides/slide5.xml><?xml version="1.0" encoding="utf-8"?>
-<p:sld xmlns:a="http://schemas.openxmlformats.org/drawingml/2006/main" xmlns:r="http://schemas.openxmlformats.org/officeDocument/2006/relationships" xmlns:mc="http://schemas.openxmlformats.org/markup-compatibility/2006" xmlns:mv="urn:schemas-microsoft-com:mac:vml" xmlns:p="http://schemas.openxmlformats.org/presentationml/2006/main" xmlns:c="http://schemas.openxmlformats.org/drawingml/2006/chart" xmlns:dgm="http://schemas.openxmlformats.org/drawingml/2006/diagram" xmlns:o="urn:schemas-microsoft-com:office:office" xmlns:v="urn:schemas-microsoft-com:vml" xmlns:pvml="urn:schemas-microsoft-com:office:powerpoint" xmlns:com="http://schemas.openxmlformats.org/drawingml/2006/compatibility" xmlns:p14="http://schemas.microsoft.com/office/powerpoint/2010/main" xmlns:p15="http://schemas.microsoft.com/office/powerpoint/2012/main">
+<p:sld xmlns:a="http://schemas.openxmlformats.org/drawingml/2006/main" xmlns:r="http://schemas.openxmlformats.org/officeDocument/2006/relationships" xmlns:mc="http://schemas.openxmlformats.org/markup-compatibility/2006" xmlns:mv="urn:schemas-microsoft-com:mac:vml" xmlns:p="http://schemas.openxmlformats.org/presentationml/2006/main" xmlns:c="http://schemas.openxmlformats.org/drawingml/2006/chart" xmlns:dgm="http://schemas.openxmlformats.org/drawingml/2006/diagram" xmlns:o="urn:schemas-microsoft-com:office:office" xmlns:v="urn:schemas-microsoft-com:vml" xmlns:pvml="urn:schemas-microsoft-com:office:powerpoint" xmlns:com="http://schemas.openxmlformats.org/drawingml/2006/compatibility" xmlns:p14="http://schemas.microsoft.com/office/powerpoint/2010/main" xmlns:p15="http://schemas.microsoft.com/office/powerpoint/2012/main" xmlns:ahyp="http://schemas.microsoft.com/office/drawing/2018/hyperlinkcolor">
   <p:cSld>
     <p:bg>
       <p:bgPr>
@@ -24360,7 +24529,7 @@
 </file>
 
 <file path=ppt/slides/slide6.xml><?xml version="1.0" encoding="utf-8"?>
-<p:sld xmlns:a="http://schemas.openxmlformats.org/drawingml/2006/main" xmlns:r="http://schemas.openxmlformats.org/officeDocument/2006/relationships" xmlns:mc="http://schemas.openxmlformats.org/markup-compatibility/2006" xmlns:mv="urn:schemas-microsoft-com:mac:vml" xmlns:p="http://schemas.openxmlformats.org/presentationml/2006/main" xmlns:c="http://schemas.openxmlformats.org/drawingml/2006/chart" xmlns:dgm="http://schemas.openxmlformats.org/drawingml/2006/diagram" xmlns:o="urn:schemas-microsoft-com:office:office" xmlns:v="urn:schemas-microsoft-com:vml" xmlns:pvml="urn:schemas-microsoft-com:office:powerpoint" xmlns:com="http://schemas.openxmlformats.org/drawingml/2006/compatibility" xmlns:p14="http://schemas.microsoft.com/office/powerpoint/2010/main" xmlns:p15="http://schemas.microsoft.com/office/powerpoint/2012/main">
+<p:sld xmlns:a="http://schemas.openxmlformats.org/drawingml/2006/main" xmlns:r="http://schemas.openxmlformats.org/officeDocument/2006/relationships" xmlns:mc="http://schemas.openxmlformats.org/markup-compatibility/2006" xmlns:mv="urn:schemas-microsoft-com:mac:vml" xmlns:p="http://schemas.openxmlformats.org/presentationml/2006/main" xmlns:c="http://schemas.openxmlformats.org/drawingml/2006/chart" xmlns:dgm="http://schemas.openxmlformats.org/drawingml/2006/diagram" xmlns:o="urn:schemas-microsoft-com:office:office" xmlns:v="urn:schemas-microsoft-com:vml" xmlns:pvml="urn:schemas-microsoft-com:office:powerpoint" xmlns:com="http://schemas.openxmlformats.org/drawingml/2006/compatibility" xmlns:p14="http://schemas.microsoft.com/office/powerpoint/2010/main" xmlns:p15="http://schemas.microsoft.com/office/powerpoint/2012/main" xmlns:ahyp="http://schemas.microsoft.com/office/drawing/2018/hyperlinkcolor">
   <p:cSld>
     <p:bg>
       <p:bgPr>
@@ -24617,7 +24786,7 @@
 </file>
 
 <file path=ppt/slides/slide7.xml><?xml version="1.0" encoding="utf-8"?>
-<p:sld xmlns:a="http://schemas.openxmlformats.org/drawingml/2006/main" xmlns:r="http://schemas.openxmlformats.org/officeDocument/2006/relationships" xmlns:mc="http://schemas.openxmlformats.org/markup-compatibility/2006" xmlns:mv="urn:schemas-microsoft-com:mac:vml" xmlns:p="http://schemas.openxmlformats.org/presentationml/2006/main" xmlns:c="http://schemas.openxmlformats.org/drawingml/2006/chart" xmlns:dgm="http://schemas.openxmlformats.org/drawingml/2006/diagram" xmlns:o="urn:schemas-microsoft-com:office:office" xmlns:v="urn:schemas-microsoft-com:vml" xmlns:pvml="urn:schemas-microsoft-com:office:powerpoint" xmlns:com="http://schemas.openxmlformats.org/drawingml/2006/compatibility" xmlns:p14="http://schemas.microsoft.com/office/powerpoint/2010/main" xmlns:p15="http://schemas.microsoft.com/office/powerpoint/2012/main">
+<p:sld xmlns:a="http://schemas.openxmlformats.org/drawingml/2006/main" xmlns:r="http://schemas.openxmlformats.org/officeDocument/2006/relationships" xmlns:mc="http://schemas.openxmlformats.org/markup-compatibility/2006" xmlns:mv="urn:schemas-microsoft-com:mac:vml" xmlns:p="http://schemas.openxmlformats.org/presentationml/2006/main" xmlns:c="http://schemas.openxmlformats.org/drawingml/2006/chart" xmlns:dgm="http://schemas.openxmlformats.org/drawingml/2006/diagram" xmlns:o="urn:schemas-microsoft-com:office:office" xmlns:v="urn:schemas-microsoft-com:vml" xmlns:pvml="urn:schemas-microsoft-com:office:powerpoint" xmlns:com="http://schemas.openxmlformats.org/drawingml/2006/compatibility" xmlns:p14="http://schemas.microsoft.com/office/powerpoint/2010/main" xmlns:p15="http://schemas.microsoft.com/office/powerpoint/2012/main" xmlns:ahyp="http://schemas.microsoft.com/office/drawing/2018/hyperlinkcolor">
   <p:cSld>
     <p:bg>
       <p:bgPr>
@@ -24904,7 +25073,7 @@
 </file>
 
 <file path=ppt/slides/slide8.xml><?xml version="1.0" encoding="utf-8"?>
-<p:sld xmlns:a="http://schemas.openxmlformats.org/drawingml/2006/main" xmlns:r="http://schemas.openxmlformats.org/officeDocument/2006/relationships" xmlns:mc="http://schemas.openxmlformats.org/markup-compatibility/2006" xmlns:mv="urn:schemas-microsoft-com:mac:vml" xmlns:p="http://schemas.openxmlformats.org/presentationml/2006/main" xmlns:c="http://schemas.openxmlformats.org/drawingml/2006/chart" xmlns:dgm="http://schemas.openxmlformats.org/drawingml/2006/diagram" xmlns:o="urn:schemas-microsoft-com:office:office" xmlns:v="urn:schemas-microsoft-com:vml" xmlns:pvml="urn:schemas-microsoft-com:office:powerpoint" xmlns:com="http://schemas.openxmlformats.org/drawingml/2006/compatibility" xmlns:p14="http://schemas.microsoft.com/office/powerpoint/2010/main" xmlns:p15="http://schemas.microsoft.com/office/powerpoint/2012/main">
+<p:sld xmlns:a="http://schemas.openxmlformats.org/drawingml/2006/main" xmlns:r="http://schemas.openxmlformats.org/officeDocument/2006/relationships" xmlns:mc="http://schemas.openxmlformats.org/markup-compatibility/2006" xmlns:mv="urn:schemas-microsoft-com:mac:vml" xmlns:p="http://schemas.openxmlformats.org/presentationml/2006/main" xmlns:c="http://schemas.openxmlformats.org/drawingml/2006/chart" xmlns:dgm="http://schemas.openxmlformats.org/drawingml/2006/diagram" xmlns:o="urn:schemas-microsoft-com:office:office" xmlns:v="urn:schemas-microsoft-com:vml" xmlns:pvml="urn:schemas-microsoft-com:office:powerpoint" xmlns:com="http://schemas.openxmlformats.org/drawingml/2006/compatibility" xmlns:p14="http://schemas.microsoft.com/office/powerpoint/2010/main" xmlns:p15="http://schemas.microsoft.com/office/powerpoint/2012/main" xmlns:ahyp="http://schemas.microsoft.com/office/drawing/2018/hyperlinkcolor">
   <p:cSld>
     <p:bg>
       <p:bgPr>
@@ -25811,7 +25980,7 @@
 </file>
 
 <file path=ppt/slides/slide9.xml><?xml version="1.0" encoding="utf-8"?>
-<p:sld xmlns:a="http://schemas.openxmlformats.org/drawingml/2006/main" xmlns:r="http://schemas.openxmlformats.org/officeDocument/2006/relationships" xmlns:mc="http://schemas.openxmlformats.org/markup-compatibility/2006" xmlns:mv="urn:schemas-microsoft-com:mac:vml" xmlns:p="http://schemas.openxmlformats.org/presentationml/2006/main" xmlns:c="http://schemas.openxmlformats.org/drawingml/2006/chart" xmlns:dgm="http://schemas.openxmlformats.org/drawingml/2006/diagram" xmlns:o="urn:schemas-microsoft-com:office:office" xmlns:v="urn:schemas-microsoft-com:vml" xmlns:pvml="urn:schemas-microsoft-com:office:powerpoint" xmlns:com="http://schemas.openxmlformats.org/drawingml/2006/compatibility" xmlns:p14="http://schemas.microsoft.com/office/powerpoint/2010/main" xmlns:p15="http://schemas.microsoft.com/office/powerpoint/2012/main">
+<p:sld xmlns:a="http://schemas.openxmlformats.org/drawingml/2006/main" xmlns:r="http://schemas.openxmlformats.org/officeDocument/2006/relationships" xmlns:mc="http://schemas.openxmlformats.org/markup-compatibility/2006" xmlns:mv="urn:schemas-microsoft-com:mac:vml" xmlns:p="http://schemas.openxmlformats.org/presentationml/2006/main" xmlns:c="http://schemas.openxmlformats.org/drawingml/2006/chart" xmlns:dgm="http://schemas.openxmlformats.org/drawingml/2006/diagram" xmlns:o="urn:schemas-microsoft-com:office:office" xmlns:v="urn:schemas-microsoft-com:vml" xmlns:pvml="urn:schemas-microsoft-com:office:powerpoint" xmlns:com="http://schemas.openxmlformats.org/drawingml/2006/compatibility" xmlns:p14="http://schemas.microsoft.com/office/powerpoint/2010/main" xmlns:p15="http://schemas.microsoft.com/office/powerpoint/2012/main" xmlns:ahyp="http://schemas.microsoft.com/office/drawing/2018/hyperlinkcolor">
   <p:cSld>
     <p:bg>
       <p:bgPr>
@@ -27397,6 +27566,285 @@
 </file>
 
 <file path=ppt/theme/theme1.xml><?xml version="1.0" encoding="utf-8"?>
+<a:theme xmlns:a="http://schemas.openxmlformats.org/drawingml/2006/main" xmlns:r="http://schemas.openxmlformats.org/officeDocument/2006/relationships">
+  <a:themeElements>
+    <a:clrScheme name="Default">
+      <a:dk1>
+        <a:srgbClr val="000000"/>
+      </a:dk1>
+      <a:lt1>
+        <a:srgbClr val="FFFFFF"/>
+      </a:lt1>
+      <a:dk2>
+        <a:srgbClr val="158158"/>
+      </a:dk2>
+      <a:lt2>
+        <a:srgbClr val="F3F3F3"/>
+      </a:lt2>
+      <a:accent1>
+        <a:srgbClr val="058DC7"/>
+      </a:accent1>
+      <a:accent2>
+        <a:srgbClr val="50B432"/>
+      </a:accent2>
+      <a:accent3>
+        <a:srgbClr val="ED561B"/>
+      </a:accent3>
+      <a:accent4>
+        <a:srgbClr val="EDEF00"/>
+      </a:accent4>
+      <a:accent5>
+        <a:srgbClr val="24CBE5"/>
+      </a:accent5>
+      <a:accent6>
+        <a:srgbClr val="64E572"/>
+      </a:accent6>
+      <a:hlink>
+        <a:srgbClr val="2200CC"/>
+      </a:hlink>
+      <a:folHlink>
+        <a:srgbClr val="551A8B"/>
+      </a:folHlink>
+    </a:clrScheme>
+    <a:fontScheme name="Office">
+      <a:majorFont>
+        <a:latin typeface="Arial"/>
+        <a:ea typeface=""/>
+        <a:cs typeface=""/>
+        <a:font script="Jpan" typeface="ＭＳ Ｐゴシック"/>
+        <a:font script="Hang" typeface="맑은 고딕"/>
+        <a:font script="Hans" typeface="宋体"/>
+        <a:font script="Hant" typeface="新細明體"/>
+        <a:font script="Arab" typeface="Times New Roman"/>
+        <a:font script="Hebr" typeface="Times New Roman"/>
+        <a:font script="Thai" typeface="Angsana New"/>
+        <a:font script="Ethi" typeface="Nyala"/>
+        <a:font script="Beng" typeface="Vrinda"/>
+        <a:font script="Gujr" typeface="Shruti"/>
+        <a:font script="Khmr" typeface="MoolBoran"/>
+        <a:font script="Knda" typeface="Tunga"/>
+        <a:font script="Guru" typeface="Raavi"/>
+        <a:font script="Cans" typeface="Euphemia"/>
+        <a:font script="Cher" typeface="Plantagenet Cherokee"/>
+        <a:font script="Yiii" typeface="Microsoft Yi Baiti"/>
+        <a:font script="Tibt" typeface="Microsoft Himalaya"/>
+        <a:font script="Thaa" typeface="MV Boli"/>
+        <a:font script="Deva" typeface="Mangal"/>
+        <a:font script="Telu" typeface="Gautami"/>
+        <a:font script="Taml" typeface="Latha"/>
+        <a:font script="Syrc" typeface="Estrangelo Edessa"/>
+        <a:font script="Orya" typeface="Kalinga"/>
+        <a:font script="Mlym" typeface="Kartika"/>
+        <a:font script="Laoo" typeface="DokChampa"/>
+        <a:font script="Sinh" typeface="Iskoola Pota"/>
+        <a:font script="Mong" typeface="Mongolian Baiti"/>
+        <a:font script="Viet" typeface="Times New Roman"/>
+        <a:font script="Uigh" typeface="Microsoft Uighur"/>
+        <a:font script="Geor" typeface="Sylfaen"/>
+      </a:majorFont>
+      <a:minorFont>
+        <a:latin typeface="Arial"/>
+        <a:ea typeface=""/>
+        <a:cs typeface=""/>
+        <a:font script="Jpan" typeface="ＭＳ Ｐゴシック"/>
+        <a:font script="Hang" typeface="맑은 고딕"/>
+        <a:font script="Hans" typeface="宋体"/>
+        <a:font script="Hant" typeface="新細明體"/>
+        <a:font script="Arab" typeface="Arial"/>
+        <a:font script="Hebr" typeface="Arial"/>
+        <a:font script="Thai" typeface="Cordia New"/>
+        <a:font script="Ethi" typeface="Nyala"/>
+        <a:font script="Beng" typeface="Vrinda"/>
+        <a:font script="Gujr" typeface="Shruti"/>
+        <a:font script="Khmr" typeface="DaunPenh"/>
+        <a:font script="Knda" typeface="Tunga"/>
+        <a:font script="Guru" typeface="Raavi"/>
+        <a:font script="Cans" typeface="Euphemia"/>
+        <a:font script="Cher" typeface="Plantagenet Cherokee"/>
+        <a:font script="Yiii" typeface="Microsoft Yi Baiti"/>
+        <a:font script="Tibt" typeface="Microsoft Himalaya"/>
+        <a:font script="Thaa" typeface="MV Boli"/>
+        <a:font script="Deva" typeface="Mangal"/>
+        <a:font script="Telu" typeface="Gautami"/>
+        <a:font script="Taml" typeface="Latha"/>
+        <a:font script="Syrc" typeface="Estrangelo Edessa"/>
+        <a:font script="Orya" typeface="Kalinga"/>
+        <a:font script="Mlym" typeface="Kartika"/>
+        <a:font script="Laoo" typeface="DokChampa"/>
+        <a:font script="Sinh" typeface="Iskoola Pota"/>
+        <a:font script="Mong" typeface="Mongolian Baiti"/>
+        <a:font script="Viet" typeface="Arial"/>
+        <a:font script="Uigh" typeface="Microsoft Uighur"/>
+        <a:font script="Geor" typeface="Sylfaen"/>
+      </a:minorFont>
+    </a:fontScheme>
+    <a:fmtScheme name="Office">
+      <a:fillStyleLst>
+        <a:solidFill>
+          <a:schemeClr val="phClr"/>
+        </a:solidFill>
+        <a:gradFill rotWithShape="1">
+          <a:gsLst>
+            <a:gs pos="0">
+              <a:schemeClr val="phClr">
+                <a:tint val="50000"/>
+                <a:satMod val="300000"/>
+              </a:schemeClr>
+            </a:gs>
+            <a:gs pos="35000">
+              <a:schemeClr val="phClr">
+                <a:tint val="37000"/>
+                <a:satMod val="300000"/>
+              </a:schemeClr>
+            </a:gs>
+            <a:gs pos="100000">
+              <a:schemeClr val="phClr">
+                <a:tint val="15000"/>
+                <a:satMod val="350000"/>
+              </a:schemeClr>
+            </a:gs>
+          </a:gsLst>
+          <a:lin ang="16200000" scaled="1"/>
+        </a:gradFill>
+        <a:gradFill rotWithShape="1">
+          <a:gsLst>
+            <a:gs pos="0">
+              <a:schemeClr val="phClr">
+                <a:tint val="100000"/>
+                <a:shade val="100000"/>
+                <a:satMod val="130000"/>
+              </a:schemeClr>
+            </a:gs>
+            <a:gs pos="100000">
+              <a:schemeClr val="phClr">
+                <a:tint val="50000"/>
+                <a:shade val="100000"/>
+                <a:satMod val="350000"/>
+              </a:schemeClr>
+            </a:gs>
+          </a:gsLst>
+          <a:lin ang="16200000" scaled="0"/>
+        </a:gradFill>
+      </a:fillStyleLst>
+      <a:lnStyleLst>
+        <a:ln w="9525" cap="flat" cmpd="sng" algn="ctr">
+          <a:solidFill>
+            <a:schemeClr val="phClr">
+              <a:shade val="95000"/>
+              <a:satMod val="105000"/>
+            </a:schemeClr>
+          </a:solidFill>
+          <a:prstDash val="solid"/>
+        </a:ln>
+        <a:ln w="25400" cap="flat" cmpd="sng" algn="ctr">
+          <a:solidFill>
+            <a:schemeClr val="phClr"/>
+          </a:solidFill>
+          <a:prstDash val="solid"/>
+        </a:ln>
+        <a:ln w="38100" cap="flat" cmpd="sng" algn="ctr">
+          <a:solidFill>
+            <a:schemeClr val="phClr"/>
+          </a:solidFill>
+          <a:prstDash val="solid"/>
+        </a:ln>
+      </a:lnStyleLst>
+      <a:effectStyleLst>
+        <a:effectStyle>
+          <a:effectLst>
+            <a:outerShdw blurRad="40000" dist="20000" dir="5400000" rotWithShape="0">
+              <a:srgbClr val="000000">
+                <a:alpha val="38000"/>
+              </a:srgbClr>
+            </a:outerShdw>
+          </a:effectLst>
+        </a:effectStyle>
+        <a:effectStyle>
+          <a:effectLst>
+            <a:outerShdw blurRad="40000" dist="23000" dir="5400000" rotWithShape="0">
+              <a:srgbClr val="000000">
+                <a:alpha val="35000"/>
+              </a:srgbClr>
+            </a:outerShdw>
+          </a:effectLst>
+        </a:effectStyle>
+        <a:effectStyle>
+          <a:effectLst>
+            <a:outerShdw blurRad="40000" dist="23000" dir="5400000" rotWithShape="0">
+              <a:srgbClr val="000000">
+                <a:alpha val="35000"/>
+              </a:srgbClr>
+            </a:outerShdw>
+          </a:effectLst>
+          <a:scene3d>
+            <a:camera prst="orthographicFront">
+              <a:rot lat="0" lon="0" rev="0"/>
+            </a:camera>
+            <a:lightRig rig="threePt" dir="t">
+              <a:rot lat="0" lon="0" rev="1200000"/>
+            </a:lightRig>
+          </a:scene3d>
+          <a:sp3d>
+            <a:bevelT w="63500" h="25400"/>
+          </a:sp3d>
+        </a:effectStyle>
+      </a:effectStyleLst>
+      <a:bgFillStyleLst>
+        <a:solidFill>
+          <a:schemeClr val="phClr"/>
+        </a:solidFill>
+        <a:gradFill rotWithShape="1">
+          <a:gsLst>
+            <a:gs pos="0">
+              <a:schemeClr val="phClr">
+                <a:tint val="40000"/>
+                <a:satMod val="350000"/>
+              </a:schemeClr>
+            </a:gs>
+            <a:gs pos="40000">
+              <a:schemeClr val="phClr">
+                <a:tint val="45000"/>
+                <a:shade val="99000"/>
+                <a:satMod val="350000"/>
+              </a:schemeClr>
+            </a:gs>
+            <a:gs pos="100000">
+              <a:schemeClr val="phClr">
+                <a:shade val="20000"/>
+                <a:satMod val="255000"/>
+              </a:schemeClr>
+            </a:gs>
+          </a:gsLst>
+          <a:path path="circle">
+            <a:fillToRect l="50000" t="-80000" r="50000" b="180000"/>
+          </a:path>
+        </a:gradFill>
+        <a:gradFill rotWithShape="1">
+          <a:gsLst>
+            <a:gs pos="0">
+              <a:schemeClr val="phClr">
+                <a:tint val="80000"/>
+                <a:satMod val="300000"/>
+              </a:schemeClr>
+            </a:gs>
+            <a:gs pos="100000">
+              <a:schemeClr val="phClr">
+                <a:shade val="30000"/>
+                <a:satMod val="200000"/>
+              </a:schemeClr>
+            </a:gs>
+          </a:gsLst>
+          <a:path path="circle">
+            <a:fillToRect l="50000" t="50000" r="50000" b="50000"/>
+          </a:path>
+        </a:gradFill>
+      </a:bgFillStyleLst>
+    </a:fmtScheme>
+  </a:themeElements>
+</a:theme>
+</file>
+
+<file path=ppt/theme/theme2.xml><?xml version="1.0" encoding="utf-8"?>
 <a:theme xmlns:a="http://schemas.openxmlformats.org/drawingml/2006/main" xmlns:r="http://schemas.openxmlformats.org/officeDocument/2006/relationships" name="Office Theme">
   <a:themeElements>
     <a:clrScheme name="Office">
@@ -27673,283 +28121,4 @@
     </a:fmtScheme>
   </a:themeElements>
 </a:theme>
-</file>
-
-<file path=ppt/theme/theme2.xml><?xml version="1.0" encoding="utf-8"?>
-<a:theme xmlns:a="http://schemas.openxmlformats.org/drawingml/2006/main" xmlns:r="http://schemas.openxmlformats.org/officeDocument/2006/relationships">
-  <a:themeElements>
-    <a:clrScheme name="Default">
-      <a:dk1>
-        <a:srgbClr val="000000"/>
-      </a:dk1>
-      <a:lt1>
-        <a:srgbClr val="FFFFFF"/>
-      </a:lt1>
-      <a:dk2>
-        <a:srgbClr val="158158"/>
-      </a:dk2>
-      <a:lt2>
-        <a:srgbClr val="F3F3F3"/>
-      </a:lt2>
-      <a:accent1>
-        <a:srgbClr val="058DC7"/>
-      </a:accent1>
-      <a:accent2>
-        <a:srgbClr val="50B432"/>
-      </a:accent2>
-      <a:accent3>
-        <a:srgbClr val="ED561B"/>
-      </a:accent3>
-      <a:accent4>
-        <a:srgbClr val="EDEF00"/>
-      </a:accent4>
-      <a:accent5>
-        <a:srgbClr val="24CBE5"/>
-      </a:accent5>
-      <a:accent6>
-        <a:srgbClr val="64E572"/>
-      </a:accent6>
-      <a:hlink>
-        <a:srgbClr val="2200CC"/>
-      </a:hlink>
-      <a:folHlink>
-        <a:srgbClr val="551A8B"/>
-      </a:folHlink>
-    </a:clrScheme>
-    <a:fontScheme name="Office">
-      <a:majorFont>
-        <a:latin typeface="Arial"/>
-        <a:ea typeface=""/>
-        <a:cs typeface=""/>
-        <a:font script="Jpan" typeface="ＭＳ Ｐゴシック"/>
-        <a:font script="Hang" typeface="맑은 고딕"/>
-        <a:font script="Hans" typeface="宋体"/>
-        <a:font script="Hant" typeface="新細明體"/>
-        <a:font script="Arab" typeface="Times New Roman"/>
-        <a:font script="Hebr" typeface="Times New Roman"/>
-        <a:font script="Thai" typeface="Angsana New"/>
-        <a:font script="Ethi" typeface="Nyala"/>
-        <a:font script="Beng" typeface="Vrinda"/>
-        <a:font script="Gujr" typeface="Shruti"/>
-        <a:font script="Khmr" typeface="MoolBoran"/>
-        <a:font script="Knda" typeface="Tunga"/>
-        <a:font script="Guru" typeface="Raavi"/>
-        <a:font script="Cans" typeface="Euphemia"/>
-        <a:font script="Cher" typeface="Plantagenet Cherokee"/>
-        <a:font script="Yiii" typeface="Microsoft Yi Baiti"/>
-        <a:font script="Tibt" typeface="Microsoft Himalaya"/>
-        <a:font script="Thaa" typeface="MV Boli"/>
-        <a:font script="Deva" typeface="Mangal"/>
-        <a:font script="Telu" typeface="Gautami"/>
-        <a:font script="Taml" typeface="Latha"/>
-        <a:font script="Syrc" typeface="Estrangelo Edessa"/>
-        <a:font script="Orya" typeface="Kalinga"/>
-        <a:font script="Mlym" typeface="Kartika"/>
-        <a:font script="Laoo" typeface="DokChampa"/>
-        <a:font script="Sinh" typeface="Iskoola Pota"/>
-        <a:font script="Mong" typeface="Mongolian Baiti"/>
-        <a:font script="Viet" typeface="Times New Roman"/>
-        <a:font script="Uigh" typeface="Microsoft Uighur"/>
-        <a:font script="Geor" typeface="Sylfaen"/>
-      </a:majorFont>
-      <a:minorFont>
-        <a:latin typeface="Arial"/>
-        <a:ea typeface=""/>
-        <a:cs typeface=""/>
-        <a:font script="Jpan" typeface="ＭＳ Ｐゴシック"/>
-        <a:font script="Hang" typeface="맑은 고딕"/>
-        <a:font script="Hans" typeface="宋体"/>
-        <a:font script="Hant" typeface="新細明體"/>
-        <a:font script="Arab" typeface="Arial"/>
-        <a:font script="Hebr" typeface="Arial"/>
-        <a:font script="Thai" typeface="Cordia New"/>
-        <a:font script="Ethi" typeface="Nyala"/>
-        <a:font script="Beng" typeface="Vrinda"/>
-        <a:font script="Gujr" typeface="Shruti"/>
-        <a:font script="Khmr" typeface="DaunPenh"/>
-        <a:font script="Knda" typeface="Tunga"/>
-        <a:font script="Guru" typeface="Raavi"/>
-        <a:font script="Cans" typeface="Euphemia"/>
-        <a:font script="Cher" typeface="Plantagenet Cherokee"/>
-        <a:font script="Yiii" typeface="Microsoft Yi Baiti"/>
-        <a:font script="Tibt" typeface="Microsoft Himalaya"/>
-        <a:font script="Thaa" typeface="MV Boli"/>
-        <a:font script="Deva" typeface="Mangal"/>
-        <a:font script="Telu" typeface="Gautami"/>
-        <a:font script="Taml" typeface="Latha"/>
-        <a:font script="Syrc" typeface="Estrangelo Edessa"/>
-        <a:font script="Orya" typeface="Kalinga"/>
-        <a:font script="Mlym" typeface="Kartika"/>
-        <a:font script="Laoo" typeface="DokChampa"/>
-        <a:font script="Sinh" typeface="Iskoola Pota"/>
-        <a:font script="Mong" typeface="Mongolian Baiti"/>
-        <a:font script="Viet" typeface="Arial"/>
-        <a:font script="Uigh" typeface="Microsoft Uighur"/>
-        <a:font script="Geor" typeface="Sylfaen"/>
-      </a:minorFont>
-    </a:fontScheme>
-    <a:fmtScheme name="Office">
-      <a:fillStyleLst>
-        <a:solidFill>
-          <a:schemeClr val="phClr"/>
-        </a:solidFill>
-        <a:gradFill rotWithShape="1">
-          <a:gsLst>
-            <a:gs pos="0">
-              <a:schemeClr val="phClr">
-                <a:tint val="50000"/>
-                <a:satMod val="300000"/>
-              </a:schemeClr>
-            </a:gs>
-            <a:gs pos="35000">
-              <a:schemeClr val="phClr">
-                <a:tint val="37000"/>
-                <a:satMod val="300000"/>
-              </a:schemeClr>
-            </a:gs>
-            <a:gs pos="100000">
-              <a:schemeClr val="phClr">
-                <a:tint val="15000"/>
-                <a:satMod val="350000"/>
-              </a:schemeClr>
-            </a:gs>
-          </a:gsLst>
-          <a:lin ang="16200000" scaled="1"/>
-        </a:gradFill>
-        <a:gradFill rotWithShape="1">
-          <a:gsLst>
-            <a:gs pos="0">
-              <a:schemeClr val="phClr">
-                <a:tint val="100000"/>
-                <a:shade val="100000"/>
-                <a:satMod val="130000"/>
-              </a:schemeClr>
-            </a:gs>
-            <a:gs pos="100000">
-              <a:schemeClr val="phClr">
-                <a:tint val="50000"/>
-                <a:shade val="100000"/>
-                <a:satMod val="350000"/>
-              </a:schemeClr>
-            </a:gs>
-          </a:gsLst>
-          <a:lin ang="16200000" scaled="0"/>
-        </a:gradFill>
-      </a:fillStyleLst>
-      <a:lnStyleLst>
-        <a:ln w="9525" cap="flat" cmpd="sng" algn="ctr">
-          <a:solidFill>
-            <a:schemeClr val="phClr">
-              <a:shade val="95000"/>
-              <a:satMod val="105000"/>
-            </a:schemeClr>
-          </a:solidFill>
-          <a:prstDash val="solid"/>
-        </a:ln>
-        <a:ln w="25400" cap="flat" cmpd="sng" algn="ctr">
-          <a:solidFill>
-            <a:schemeClr val="phClr"/>
-          </a:solidFill>
-          <a:prstDash val="solid"/>
-        </a:ln>
-        <a:ln w="38100" cap="flat" cmpd="sng" algn="ctr">
-          <a:solidFill>
-            <a:schemeClr val="phClr"/>
-          </a:solidFill>
-          <a:prstDash val="solid"/>
-        </a:ln>
-      </a:lnStyleLst>
-      <a:effectStyleLst>
-        <a:effectStyle>
-          <a:effectLst>
-            <a:outerShdw blurRad="40000" dist="20000" dir="5400000" rotWithShape="0">
-              <a:srgbClr val="000000">
-                <a:alpha val="38000"/>
-              </a:srgbClr>
-            </a:outerShdw>
-          </a:effectLst>
-        </a:effectStyle>
-        <a:effectStyle>
-          <a:effectLst>
-            <a:outerShdw blurRad="40000" dist="23000" dir="5400000" rotWithShape="0">
-              <a:srgbClr val="000000">
-                <a:alpha val="35000"/>
-              </a:srgbClr>
-            </a:outerShdw>
-          </a:effectLst>
-        </a:effectStyle>
-        <a:effectStyle>
-          <a:effectLst>
-            <a:outerShdw blurRad="40000" dist="23000" dir="5400000" rotWithShape="0">
-              <a:srgbClr val="000000">
-                <a:alpha val="35000"/>
-              </a:srgbClr>
-            </a:outerShdw>
-          </a:effectLst>
-          <a:scene3d>
-            <a:camera prst="orthographicFront">
-              <a:rot lat="0" lon="0" rev="0"/>
-            </a:camera>
-            <a:lightRig rig="threePt" dir="t">
-              <a:rot lat="0" lon="0" rev="1200000"/>
-            </a:lightRig>
-          </a:scene3d>
-          <a:sp3d>
-            <a:bevelT w="63500" h="25400"/>
-          </a:sp3d>
-        </a:effectStyle>
-      </a:effectStyleLst>
-      <a:bgFillStyleLst>
-        <a:solidFill>
-          <a:schemeClr val="phClr"/>
-        </a:solidFill>
-        <a:gradFill rotWithShape="1">
-          <a:gsLst>
-            <a:gs pos="0">
-              <a:schemeClr val="phClr">
-                <a:tint val="40000"/>
-                <a:satMod val="350000"/>
-              </a:schemeClr>
-            </a:gs>
-            <a:gs pos="40000">
-              <a:schemeClr val="phClr">
-                <a:tint val="45000"/>
-                <a:shade val="99000"/>
-                <a:satMod val="350000"/>
-              </a:schemeClr>
-            </a:gs>
-            <a:gs pos="100000">
-              <a:schemeClr val="phClr">
-                <a:shade val="20000"/>
-                <a:satMod val="255000"/>
-              </a:schemeClr>
-            </a:gs>
-          </a:gsLst>
-          <a:path path="circle">
-            <a:fillToRect l="50000" t="-80000" r="50000" b="180000"/>
-          </a:path>
-        </a:gradFill>
-        <a:gradFill rotWithShape="1">
-          <a:gsLst>
-            <a:gs pos="0">
-              <a:schemeClr val="phClr">
-                <a:tint val="80000"/>
-                <a:satMod val="300000"/>
-              </a:schemeClr>
-            </a:gs>
-            <a:gs pos="100000">
-              <a:schemeClr val="phClr">
-                <a:shade val="30000"/>
-                <a:satMod val="200000"/>
-              </a:schemeClr>
-            </a:gs>
-          </a:gsLst>
-          <a:path path="circle">
-            <a:fillToRect l="50000" t="50000" r="50000" b="50000"/>
-          </a:path>
-        </a:gradFill>
-      </a:bgFillStyleLst>
-    </a:fmtScheme>
-  </a:themeElements>
-</a:theme>
 </file>